--- a/Documentacao/IPVC-EI-POSTER-ProjetoIV-24585_26780.pptx
+++ b/Documentacao/IPVC-EI-POSTER-ProjetoIV-24585_26780.pptx
@@ -211,7 +211,7 @@
           <a:p>
             <a:fld id="{59EC8B62-3E64-EF4A-8C3C-9F15F67D7274}" type="datetimeFigureOut">
               <a:rPr lang="en-US" smtClean="0"/>
-              <a:t>2/8/2021</a:t>
+              <a:t>6/22/2024</a:t>
             </a:fld>
             <a:endParaRPr lang="en-US"/>
           </a:p>
@@ -376,7 +376,7 @@
           <a:p>
             <a:fld id="{0019468C-A8D2-E64B-82A8-05CA5E4E606E}" type="datetimeFigureOut">
               <a:rPr lang="en-US" smtClean="0"/>
-              <a:t>2/8/2021</a:t>
+              <a:t>6/22/2024</a:t>
             </a:fld>
             <a:endParaRPr lang="en-US"/>
           </a:p>
@@ -909,7 +909,7 @@
           <a:p>
             <a:fld id="{23567202-0636-6441-A2B3-050B45BD1A42}" type="datetimeFigureOut">
               <a:rPr lang="en-US" smtClean="0"/>
-              <a:t>2/8/2021</a:t>
+              <a:t>6/22/2024</a:t>
             </a:fld>
             <a:endParaRPr lang="en-US"/>
           </a:p>
@@ -1079,7 +1079,7 @@
           <a:p>
             <a:fld id="{23567202-0636-6441-A2B3-050B45BD1A42}" type="datetimeFigureOut">
               <a:rPr lang="en-US" smtClean="0"/>
-              <a:t>2/8/2021</a:t>
+              <a:t>6/22/2024</a:t>
             </a:fld>
             <a:endParaRPr lang="en-US"/>
           </a:p>
@@ -1259,7 +1259,7 @@
           <a:p>
             <a:fld id="{23567202-0636-6441-A2B3-050B45BD1A42}" type="datetimeFigureOut">
               <a:rPr lang="en-US" smtClean="0"/>
-              <a:t>2/8/2021</a:t>
+              <a:t>6/22/2024</a:t>
             </a:fld>
             <a:endParaRPr lang="en-US"/>
           </a:p>
@@ -1429,7 +1429,7 @@
           <a:p>
             <a:fld id="{23567202-0636-6441-A2B3-050B45BD1A42}" type="datetimeFigureOut">
               <a:rPr lang="en-US" smtClean="0"/>
-              <a:t>2/8/2021</a:t>
+              <a:t>6/22/2024</a:t>
             </a:fld>
             <a:endParaRPr lang="en-US"/>
           </a:p>
@@ -1675,7 +1675,7 @@
           <a:p>
             <a:fld id="{23567202-0636-6441-A2B3-050B45BD1A42}" type="datetimeFigureOut">
               <a:rPr lang="en-US" smtClean="0"/>
-              <a:t>2/8/2021</a:t>
+              <a:t>6/22/2024</a:t>
             </a:fld>
             <a:endParaRPr lang="en-US"/>
           </a:p>
@@ -1963,7 +1963,7 @@
           <a:p>
             <a:fld id="{23567202-0636-6441-A2B3-050B45BD1A42}" type="datetimeFigureOut">
               <a:rPr lang="en-US" smtClean="0"/>
-              <a:t>2/8/2021</a:t>
+              <a:t>6/22/2024</a:t>
             </a:fld>
             <a:endParaRPr lang="en-US"/>
           </a:p>
@@ -2390,7 +2390,7 @@
           <a:p>
             <a:fld id="{23567202-0636-6441-A2B3-050B45BD1A42}" type="datetimeFigureOut">
               <a:rPr lang="en-US" smtClean="0"/>
-              <a:t>2/8/2021</a:t>
+              <a:t>6/22/2024</a:t>
             </a:fld>
             <a:endParaRPr lang="en-US"/>
           </a:p>
@@ -2508,7 +2508,7 @@
           <a:p>
             <a:fld id="{23567202-0636-6441-A2B3-050B45BD1A42}" type="datetimeFigureOut">
               <a:rPr lang="en-US" smtClean="0"/>
-              <a:t>2/8/2021</a:t>
+              <a:t>6/22/2024</a:t>
             </a:fld>
             <a:endParaRPr lang="en-US"/>
           </a:p>
@@ -2603,7 +2603,7 @@
           <a:p>
             <a:fld id="{23567202-0636-6441-A2B3-050B45BD1A42}" type="datetimeFigureOut">
               <a:rPr lang="en-US" smtClean="0"/>
-              <a:t>2/8/2021</a:t>
+              <a:t>6/22/2024</a:t>
             </a:fld>
             <a:endParaRPr lang="en-US"/>
           </a:p>
@@ -2880,7 +2880,7 @@
           <a:p>
             <a:fld id="{23567202-0636-6441-A2B3-050B45BD1A42}" type="datetimeFigureOut">
               <a:rPr lang="en-US" smtClean="0"/>
-              <a:t>2/8/2021</a:t>
+              <a:t>6/22/2024</a:t>
             </a:fld>
             <a:endParaRPr lang="en-US"/>
           </a:p>
@@ -3133,7 +3133,7 @@
           <a:p>
             <a:fld id="{23567202-0636-6441-A2B3-050B45BD1A42}" type="datetimeFigureOut">
               <a:rPr lang="en-US" smtClean="0"/>
-              <a:t>2/8/2021</a:t>
+              <a:t>6/22/2024</a:t>
             </a:fld>
             <a:endParaRPr lang="en-US"/>
           </a:p>
@@ -3346,7 +3346,7 @@
           <a:p>
             <a:fld id="{23567202-0636-6441-A2B3-050B45BD1A42}" type="datetimeFigureOut">
               <a:rPr lang="en-US" smtClean="0"/>
-              <a:t>2/8/2021</a:t>
+              <a:t>6/22/2024</a:t>
             </a:fld>
             <a:endParaRPr lang="en-US"/>
           </a:p>
@@ -3775,14 +3775,47 @@
           <a:p>
             <a:pPr algn="l"/>
             <a:r>
-              <a:rPr lang="en-US" sz="6000" b="1" dirty="0" err="1">
+              <a:rPr lang="en-US" sz="6000" b="1" dirty="0">
                 <a:latin typeface="Arial" charset="0"/>
                 <a:ea typeface="Arial" charset="0"/>
                 <a:cs typeface="Arial" charset="0"/>
               </a:rPr>
-              <a:t>Indrodução</a:t>
-            </a:r>
-            <a:endParaRPr lang="en-US" sz="6000" b="1" dirty="0">
+              <a:t>Introduction</a:t>
+            </a:r>
+          </a:p>
+        </p:txBody>
+      </p:sp>
+      <p:sp>
+        <p:nvSpPr>
+          <p:cNvPr id="8" name="CaixaDeTexto 7"/>
+          <p:cNvSpPr txBox="1"/>
+          <p:nvPr/>
+        </p:nvSpPr>
+        <p:spPr>
+          <a:xfrm>
+            <a:off x="980440" y="975360"/>
+            <a:ext cx="18552160" cy="1477328"/>
+          </a:xfrm>
+          <a:prstGeom prst="rect">
+            <a:avLst/>
+          </a:prstGeom>
+          <a:noFill/>
+        </p:spPr>
+        <p:txBody>
+          <a:bodyPr wrap="square" rtlCol="0">
+            <a:spAutoFit/>
+          </a:bodyPr>
+          <a:lstStyle/>
+          <a:p>
+            <a:r>
+              <a:rPr lang="pt-PT" sz="9000" b="1" dirty="0" err="1">
+                <a:latin typeface="Arial" charset="0"/>
+                <a:ea typeface="Arial" charset="0"/>
+                <a:cs typeface="Arial" charset="0"/>
+              </a:rPr>
+              <a:t>GESImoveis</a:t>
+            </a:r>
+            <a:endParaRPr lang="pt-PT" sz="9000" b="1" dirty="0">
               <a:latin typeface="Arial" charset="0"/>
               <a:ea typeface="Arial" charset="0"/>
               <a:cs typeface="Arial" charset="0"/>
@@ -3792,14 +3825,14 @@
       </p:sp>
       <p:sp>
         <p:nvSpPr>
-          <p:cNvPr id="8" name="CaixaDeTexto 7"/>
+          <p:cNvPr id="9" name="CaixaDeTexto 8"/>
           <p:cNvSpPr txBox="1"/>
           <p:nvPr/>
         </p:nvSpPr>
         <p:spPr>
           <a:xfrm>
-            <a:off x="980440" y="975360"/>
-            <a:ext cx="18552160" cy="1477328"/>
+            <a:off x="988060" y="4066282"/>
+            <a:ext cx="18493740" cy="861774"/>
           </a:xfrm>
           <a:prstGeom prst="rect">
             <a:avLst/>
@@ -3813,26 +3846,31 @@
           <a:lstStyle/>
           <a:p>
             <a:r>
-              <a:rPr lang="pt-PT" sz="9000" b="1" dirty="0">
+              <a:rPr lang="pt-PT" sz="5000" dirty="0">
                 <a:latin typeface="Arial" charset="0"/>
                 <a:ea typeface="Arial" charset="0"/>
                 <a:cs typeface="Arial" charset="0"/>
               </a:rPr>
-              <a:t>Titulo do Projeto</a:t>
-            </a:r>
-          </a:p>
-        </p:txBody>
-      </p:sp>
-      <p:sp>
-        <p:nvSpPr>
-          <p:cNvPr id="9" name="CaixaDeTexto 8"/>
+              <a:t>Alexandre Santos, António Gomes;</a:t>
+            </a:r>
+            <a:endParaRPr lang="pt-PT" sz="5000" baseline="30000" dirty="0">
+              <a:latin typeface="Arial" charset="0"/>
+              <a:ea typeface="Arial" charset="0"/>
+              <a:cs typeface="Arial" charset="0"/>
+            </a:endParaRPr>
+          </a:p>
+        </p:txBody>
+      </p:sp>
+      <p:sp>
+        <p:nvSpPr>
+          <p:cNvPr id="10" name="CaixaDeTexto 9"/>
           <p:cNvSpPr txBox="1"/>
           <p:nvPr/>
         </p:nvSpPr>
         <p:spPr>
           <a:xfrm>
-            <a:off x="988060" y="4066282"/>
-            <a:ext cx="18493740" cy="861774"/>
+            <a:off x="965200" y="5159633"/>
+            <a:ext cx="18567400" cy="707886"/>
           </a:xfrm>
           <a:prstGeom prst="rect">
             <a:avLst/>
@@ -3846,85 +3884,12 @@
           <a:lstStyle/>
           <a:p>
             <a:r>
-              <a:rPr lang="pt-PT" sz="5000" dirty="0">
+              <a:rPr lang="pt-PT" sz="4000" dirty="0" err="1">
                 <a:latin typeface="Arial" charset="0"/>
                 <a:ea typeface="Arial" charset="0"/>
                 <a:cs typeface="Arial" charset="0"/>
               </a:rPr>
-              <a:t>Autor</a:t>
-            </a:r>
-            <a:r>
-              <a:rPr lang="pt-PT" sz="5000" baseline="30000" dirty="0">
-                <a:latin typeface="Arial" charset="0"/>
-                <a:ea typeface="Arial" charset="0"/>
-                <a:cs typeface="Arial" charset="0"/>
-              </a:rPr>
-              <a:t>(1), </a:t>
-            </a:r>
-            <a:r>
-              <a:rPr lang="pt-PT" sz="5000" dirty="0">
-                <a:latin typeface="Arial" charset="0"/>
-                <a:ea typeface="Arial" charset="0"/>
-                <a:cs typeface="Arial" charset="0"/>
-              </a:rPr>
-              <a:t>Autor</a:t>
-            </a:r>
-            <a:r>
-              <a:rPr lang="pt-PT" sz="5000" baseline="30000" dirty="0">
-                <a:latin typeface="Arial" charset="0"/>
-                <a:ea typeface="Arial" charset="0"/>
-                <a:cs typeface="Arial" charset="0"/>
-              </a:rPr>
-              <a:t>(2), </a:t>
-            </a:r>
-            <a:r>
-              <a:rPr lang="pt-PT" sz="5000" dirty="0">
-                <a:latin typeface="Arial" charset="0"/>
-                <a:ea typeface="Arial" charset="0"/>
-                <a:cs typeface="Arial" charset="0"/>
-              </a:rPr>
-              <a:t>Autor</a:t>
-            </a:r>
-            <a:r>
-              <a:rPr lang="pt-PT" sz="5000" baseline="30000" dirty="0">
-                <a:latin typeface="Arial" charset="0"/>
-                <a:ea typeface="Arial" charset="0"/>
-                <a:cs typeface="Arial" charset="0"/>
-              </a:rPr>
-              <a:t>(3)</a:t>
-            </a:r>
-          </a:p>
-        </p:txBody>
-      </p:sp>
-      <p:sp>
-        <p:nvSpPr>
-          <p:cNvPr id="10" name="CaixaDeTexto 9"/>
-          <p:cNvSpPr txBox="1"/>
-          <p:nvPr/>
-        </p:nvSpPr>
-        <p:spPr>
-          <a:xfrm>
-            <a:off x="965200" y="5159633"/>
-            <a:ext cx="18567400" cy="707886"/>
-          </a:xfrm>
-          <a:prstGeom prst="rect">
-            <a:avLst/>
-          </a:prstGeom>
-          <a:noFill/>
-        </p:spPr>
-        <p:txBody>
-          <a:bodyPr wrap="square" rtlCol="0">
-            <a:spAutoFit/>
-          </a:bodyPr>
-          <a:lstStyle/>
-          <a:p>
-            <a:r>
-              <a:rPr lang="pt-PT" sz="4000" baseline="30000" dirty="0">
-                <a:latin typeface="Arial" charset="0"/>
-                <a:ea typeface="Arial" charset="0"/>
-                <a:cs typeface="Arial" charset="0"/>
-              </a:rPr>
-              <a:t>(1)</a:t>
+              <a:t>Polytechnic</a:t>
             </a:r>
             <a:r>
               <a:rPr lang="pt-PT" sz="4000" dirty="0">
@@ -3932,7 +3897,39 @@
                 <a:ea typeface="Arial" charset="0"/>
                 <a:cs typeface="Arial" charset="0"/>
               </a:rPr>
-              <a:t>Instituto Politécnico de Viana do Castelo; </a:t>
+              <a:t> </a:t>
+            </a:r>
+            <a:r>
+              <a:rPr lang="pt-PT" sz="4000" dirty="0" err="1">
+                <a:latin typeface="Arial" charset="0"/>
+                <a:ea typeface="Arial" charset="0"/>
+                <a:cs typeface="Arial" charset="0"/>
+              </a:rPr>
+              <a:t>Institute</a:t>
+            </a:r>
+            <a:r>
+              <a:rPr lang="pt-PT" sz="4000" dirty="0">
+                <a:latin typeface="Arial" charset="0"/>
+                <a:ea typeface="Arial" charset="0"/>
+                <a:cs typeface="Arial" charset="0"/>
+              </a:rPr>
+              <a:t> </a:t>
+            </a:r>
+            <a:r>
+              <a:rPr lang="pt-PT" sz="4000" dirty="0" err="1">
+                <a:latin typeface="Arial" charset="0"/>
+                <a:ea typeface="Arial" charset="0"/>
+                <a:cs typeface="Arial" charset="0"/>
+              </a:rPr>
+              <a:t>of</a:t>
+            </a:r>
+            <a:r>
+              <a:rPr lang="pt-PT" sz="4000" dirty="0">
+                <a:latin typeface="Arial" charset="0"/>
+                <a:ea typeface="Arial" charset="0"/>
+                <a:cs typeface="Arial" charset="0"/>
+              </a:rPr>
+              <a:t> Viana do Castelo; </a:t>
             </a:r>
           </a:p>
         </p:txBody>
@@ -3959,7 +3956,7 @@
         </p:blipFill>
         <p:spPr>
           <a:xfrm>
-            <a:off x="20934679" y="899160"/>
+            <a:off x="21390240" y="675411"/>
             <a:ext cx="11072985" cy="2751570"/>
           </a:xfrm>
           <a:prstGeom prst="rect">
@@ -4006,24 +4003,53 @@
           <a:p>
             <a:pPr algn="ctr"/>
             <a:r>
+              <a:rPr lang="pt-PT" sz="5400" dirty="0" err="1">
+                <a:solidFill>
+                  <a:schemeClr val="tx1"/>
+                </a:solidFill>
+              </a:rPr>
+              <a:t>Graduation</a:t>
+            </a:r>
+            <a:r>
               <a:rPr lang="pt-PT" sz="5400" dirty="0">
                 <a:solidFill>
                   <a:schemeClr val="tx1"/>
                 </a:solidFill>
               </a:rPr>
-              <a:t>Licenciatura em </a:t>
+              <a:t> in </a:t>
             </a:r>
           </a:p>
           <a:p>
             <a:pPr algn="ctr"/>
+            <a:r>
+              <a:rPr lang="pt-PT" sz="5400" b="1" dirty="0" err="1">
+                <a:solidFill>
+                  <a:schemeClr val="tx1"/>
+                </a:solidFill>
+              </a:rPr>
+              <a:t>Informatics</a:t>
+            </a:r>
             <a:r>
               <a:rPr lang="pt-PT" sz="5400" b="1" dirty="0">
                 <a:solidFill>
                   <a:schemeClr val="tx1"/>
                 </a:solidFill>
               </a:rPr>
-              <a:t>ENGENHARIA INFORMÁTCA</a:t>
-            </a:r>
+              <a:t> </a:t>
+            </a:r>
+            <a:r>
+              <a:rPr lang="pt-PT" sz="5400" b="1" dirty="0" err="1">
+                <a:solidFill>
+                  <a:schemeClr val="tx1"/>
+                </a:solidFill>
+              </a:rPr>
+              <a:t>Engineering</a:t>
+            </a:r>
+            <a:endParaRPr lang="pt-PT" sz="5400" b="1" dirty="0">
+              <a:solidFill>
+                <a:schemeClr val="tx1"/>
+              </a:solidFill>
+            </a:endParaRPr>
           </a:p>
         </p:txBody>
       </p:sp>
@@ -4035,8 +4061,8 @@
         </p:nvSpPr>
         <p:spPr>
           <a:xfrm>
-            <a:off x="951230" y="10022008"/>
-            <a:ext cx="14720571" cy="4154984"/>
+            <a:off x="847742" y="9242726"/>
+            <a:ext cx="18308572" cy="4154984"/>
           </a:xfrm>
           <a:prstGeom prst="rect">
             <a:avLst/>
@@ -4051,680 +4077,66 @@
           <a:p>
             <a:pPr algn="just"/>
             <a:r>
-              <a:rPr lang="pt-PT" sz="4400" dirty="0" err="1">
+              <a:rPr lang="en-US" sz="4400" dirty="0">
                 <a:latin typeface="Arial" charset="0"/>
                 <a:ea typeface="Arial" charset="0"/>
                 <a:cs typeface="Arial" charset="0"/>
               </a:rPr>
-              <a:t>Lorem</a:t>
-            </a:r>
-            <a:r>
-              <a:rPr lang="pt-PT" sz="4400" dirty="0">
+              <a:t>	In the curricular unit of Project IV, our team took on the challenge of developing a web platform called "</a:t>
+            </a:r>
+            <a:r>
+              <a:rPr lang="en-US" sz="4400" b="1" dirty="0" err="1">
                 <a:latin typeface="Arial" charset="0"/>
                 <a:ea typeface="Arial" charset="0"/>
                 <a:cs typeface="Arial" charset="0"/>
               </a:rPr>
-              <a:t> </a:t>
-            </a:r>
-            <a:r>
-              <a:rPr lang="pt-PT" sz="4400" dirty="0" err="1">
+              <a:t>GESImoveis</a:t>
+            </a:r>
+            <a:r>
+              <a:rPr lang="en-US" sz="4400" dirty="0">
                 <a:latin typeface="Arial" charset="0"/>
                 <a:ea typeface="Arial" charset="0"/>
                 <a:cs typeface="Arial" charset="0"/>
               </a:rPr>
-              <a:t>ipsum</a:t>
-            </a:r>
-            <a:r>
-              <a:rPr lang="pt-PT" sz="4400" dirty="0">
+              <a:t>" using Laravel. This project was initiated in collaboration with </a:t>
+            </a:r>
+            <a:r>
+              <a:rPr lang="en-US" sz="4400" dirty="0" err="1">
                 <a:latin typeface="Arial" charset="0"/>
                 <a:ea typeface="Arial" charset="0"/>
                 <a:cs typeface="Arial" charset="0"/>
               </a:rPr>
-              <a:t> </a:t>
-            </a:r>
-            <a:r>
-              <a:rPr lang="pt-PT" sz="4400" dirty="0" err="1">
+              <a:t>FTKode</a:t>
+            </a:r>
+            <a:r>
+              <a:rPr lang="en-US" sz="4400" dirty="0">
                 <a:latin typeface="Arial" charset="0"/>
                 <a:ea typeface="Arial" charset="0"/>
                 <a:cs typeface="Arial" charset="0"/>
               </a:rPr>
-              <a:t>dolor</a:t>
-            </a:r>
-            <a:r>
-              <a:rPr lang="pt-PT" sz="4400" dirty="0">
+              <a:t> and our academic supervisors. The aim was to create an integrated real estate management system that seamlessly interfaces with </a:t>
+            </a:r>
+            <a:r>
+              <a:rPr lang="en-US" sz="4400" dirty="0" err="1">
                 <a:latin typeface="Arial" charset="0"/>
                 <a:ea typeface="Arial" charset="0"/>
                 <a:cs typeface="Arial" charset="0"/>
               </a:rPr>
-              <a:t> </a:t>
-            </a:r>
-            <a:r>
-              <a:rPr lang="pt-PT" sz="4400" dirty="0" err="1">
+              <a:t>GESFaturacao</a:t>
+            </a:r>
+            <a:r>
+              <a:rPr lang="en-US" sz="4400" dirty="0">
                 <a:latin typeface="Arial" charset="0"/>
                 <a:ea typeface="Arial" charset="0"/>
                 <a:cs typeface="Arial" charset="0"/>
               </a:rPr>
-              <a:t>sit</a:t>
-            </a:r>
-            <a:r>
-              <a:rPr lang="pt-PT" sz="4400" dirty="0">
-                <a:latin typeface="Arial" charset="0"/>
-                <a:ea typeface="Arial" charset="0"/>
-                <a:cs typeface="Arial" charset="0"/>
-              </a:rPr>
-              <a:t> </a:t>
-            </a:r>
-            <a:r>
-              <a:rPr lang="pt-PT" sz="4400" dirty="0" err="1">
-                <a:latin typeface="Arial" charset="0"/>
-                <a:ea typeface="Arial" charset="0"/>
-                <a:cs typeface="Arial" charset="0"/>
-              </a:rPr>
-              <a:t>amet</a:t>
-            </a:r>
-            <a:r>
-              <a:rPr lang="pt-PT" sz="4400" dirty="0">
-                <a:latin typeface="Arial" charset="0"/>
-                <a:ea typeface="Arial" charset="0"/>
-                <a:cs typeface="Arial" charset="0"/>
-              </a:rPr>
-              <a:t>, </a:t>
-            </a:r>
-            <a:r>
-              <a:rPr lang="pt-PT" sz="4400" dirty="0" err="1">
-                <a:latin typeface="Arial" charset="0"/>
-                <a:ea typeface="Arial" charset="0"/>
-                <a:cs typeface="Arial" charset="0"/>
-              </a:rPr>
-              <a:t>consectetuer</a:t>
-            </a:r>
-            <a:r>
-              <a:rPr lang="pt-PT" sz="4400" dirty="0">
-                <a:latin typeface="Arial" charset="0"/>
-                <a:ea typeface="Arial" charset="0"/>
-                <a:cs typeface="Arial" charset="0"/>
-              </a:rPr>
-              <a:t> </a:t>
-            </a:r>
-            <a:r>
-              <a:rPr lang="pt-PT" sz="4400" dirty="0" err="1">
-                <a:latin typeface="Arial" charset="0"/>
-                <a:ea typeface="Arial" charset="0"/>
-                <a:cs typeface="Arial" charset="0"/>
-              </a:rPr>
-              <a:t>adipiscing</a:t>
-            </a:r>
-            <a:r>
-              <a:rPr lang="pt-PT" sz="4400" dirty="0">
-                <a:latin typeface="Arial" charset="0"/>
-                <a:ea typeface="Arial" charset="0"/>
-                <a:cs typeface="Arial" charset="0"/>
-              </a:rPr>
-              <a:t> </a:t>
-            </a:r>
-            <a:r>
-              <a:rPr lang="pt-PT" sz="4400" dirty="0" err="1">
-                <a:latin typeface="Arial" charset="0"/>
-                <a:ea typeface="Arial" charset="0"/>
-                <a:cs typeface="Arial" charset="0"/>
-              </a:rPr>
-              <a:t>elit</a:t>
-            </a:r>
-            <a:r>
-              <a:rPr lang="pt-PT" sz="4400" dirty="0">
-                <a:latin typeface="Arial" charset="0"/>
-                <a:ea typeface="Arial" charset="0"/>
-                <a:cs typeface="Arial" charset="0"/>
-              </a:rPr>
-              <a:t>. </a:t>
-            </a:r>
-            <a:r>
-              <a:rPr lang="pt-PT" sz="4400" dirty="0" err="1">
-                <a:latin typeface="Arial" charset="0"/>
-                <a:ea typeface="Arial" charset="0"/>
-                <a:cs typeface="Arial" charset="0"/>
-              </a:rPr>
-              <a:t>Aenean</a:t>
-            </a:r>
-            <a:r>
-              <a:rPr lang="pt-PT" sz="4400" dirty="0">
-                <a:latin typeface="Arial" charset="0"/>
-                <a:ea typeface="Arial" charset="0"/>
-                <a:cs typeface="Arial" charset="0"/>
-              </a:rPr>
-              <a:t> </a:t>
-            </a:r>
-            <a:r>
-              <a:rPr lang="pt-PT" sz="4400" dirty="0" err="1">
-                <a:latin typeface="Arial" charset="0"/>
-                <a:ea typeface="Arial" charset="0"/>
-                <a:cs typeface="Arial" charset="0"/>
-              </a:rPr>
-              <a:t>commodo</a:t>
-            </a:r>
-            <a:r>
-              <a:rPr lang="pt-PT" sz="4400" dirty="0">
-                <a:latin typeface="Arial" charset="0"/>
-                <a:ea typeface="Arial" charset="0"/>
-                <a:cs typeface="Arial" charset="0"/>
-              </a:rPr>
-              <a:t> </a:t>
-            </a:r>
-            <a:r>
-              <a:rPr lang="pt-PT" sz="4400" dirty="0" err="1">
-                <a:latin typeface="Arial" charset="0"/>
-                <a:ea typeface="Arial" charset="0"/>
-                <a:cs typeface="Arial" charset="0"/>
-              </a:rPr>
-              <a:t>ligula</a:t>
-            </a:r>
-            <a:r>
-              <a:rPr lang="pt-PT" sz="4400" dirty="0">
-                <a:latin typeface="Arial" charset="0"/>
-                <a:ea typeface="Arial" charset="0"/>
-                <a:cs typeface="Arial" charset="0"/>
-              </a:rPr>
-              <a:t> </a:t>
-            </a:r>
-            <a:r>
-              <a:rPr lang="pt-PT" sz="4400" dirty="0" err="1">
-                <a:latin typeface="Arial" charset="0"/>
-                <a:ea typeface="Arial" charset="0"/>
-                <a:cs typeface="Arial" charset="0"/>
-              </a:rPr>
-              <a:t>eget</a:t>
-            </a:r>
-            <a:r>
-              <a:rPr lang="pt-PT" sz="4400" dirty="0">
-                <a:latin typeface="Arial" charset="0"/>
-                <a:ea typeface="Arial" charset="0"/>
-                <a:cs typeface="Arial" charset="0"/>
-              </a:rPr>
-              <a:t> </a:t>
-            </a:r>
-            <a:r>
-              <a:rPr lang="pt-PT" sz="4400" dirty="0" err="1">
-                <a:latin typeface="Arial" charset="0"/>
-                <a:ea typeface="Arial" charset="0"/>
-                <a:cs typeface="Arial" charset="0"/>
-              </a:rPr>
-              <a:t>dolor</a:t>
-            </a:r>
-            <a:r>
-              <a:rPr lang="pt-PT" sz="4400" dirty="0">
-                <a:latin typeface="Arial" charset="0"/>
-                <a:ea typeface="Arial" charset="0"/>
-                <a:cs typeface="Arial" charset="0"/>
-              </a:rPr>
-              <a:t>. </a:t>
-            </a:r>
-            <a:r>
-              <a:rPr lang="pt-PT" sz="4400" dirty="0" err="1">
-                <a:latin typeface="Arial" charset="0"/>
-                <a:ea typeface="Arial" charset="0"/>
-                <a:cs typeface="Arial" charset="0"/>
-              </a:rPr>
-              <a:t>Aenean</a:t>
-            </a:r>
-            <a:r>
-              <a:rPr lang="pt-PT" sz="4400" dirty="0">
-                <a:latin typeface="Arial" charset="0"/>
-                <a:ea typeface="Arial" charset="0"/>
-                <a:cs typeface="Arial" charset="0"/>
-              </a:rPr>
-              <a:t> massa. Cum </a:t>
-            </a:r>
-            <a:r>
-              <a:rPr lang="pt-PT" sz="4400" dirty="0" err="1">
-                <a:latin typeface="Arial" charset="0"/>
-                <a:ea typeface="Arial" charset="0"/>
-                <a:cs typeface="Arial" charset="0"/>
-              </a:rPr>
-              <a:t>sociis</a:t>
-            </a:r>
-            <a:r>
-              <a:rPr lang="pt-PT" sz="4400" dirty="0">
-                <a:latin typeface="Arial" charset="0"/>
-                <a:ea typeface="Arial" charset="0"/>
-                <a:cs typeface="Arial" charset="0"/>
-              </a:rPr>
-              <a:t> </a:t>
-            </a:r>
-            <a:r>
-              <a:rPr lang="pt-PT" sz="4400" dirty="0" err="1">
-                <a:latin typeface="Arial" charset="0"/>
-                <a:ea typeface="Arial" charset="0"/>
-                <a:cs typeface="Arial" charset="0"/>
-              </a:rPr>
-              <a:t>natoque</a:t>
-            </a:r>
-            <a:r>
-              <a:rPr lang="pt-PT" sz="4400" dirty="0">
-                <a:latin typeface="Arial" charset="0"/>
-                <a:ea typeface="Arial" charset="0"/>
-                <a:cs typeface="Arial" charset="0"/>
-              </a:rPr>
-              <a:t> </a:t>
-            </a:r>
-            <a:r>
-              <a:rPr lang="pt-PT" sz="4400" dirty="0" err="1">
-                <a:latin typeface="Arial" charset="0"/>
-                <a:ea typeface="Arial" charset="0"/>
-                <a:cs typeface="Arial" charset="0"/>
-              </a:rPr>
-              <a:t>penatibus</a:t>
-            </a:r>
-            <a:r>
-              <a:rPr lang="pt-PT" sz="4400" dirty="0">
-                <a:latin typeface="Arial" charset="0"/>
-                <a:ea typeface="Arial" charset="0"/>
-                <a:cs typeface="Arial" charset="0"/>
-              </a:rPr>
-              <a:t> </a:t>
-            </a:r>
-            <a:r>
-              <a:rPr lang="pt-PT" sz="4400" dirty="0" err="1">
-                <a:latin typeface="Arial" charset="0"/>
-                <a:ea typeface="Arial" charset="0"/>
-                <a:cs typeface="Arial" charset="0"/>
-              </a:rPr>
-              <a:t>et</a:t>
-            </a:r>
-            <a:r>
-              <a:rPr lang="pt-PT" sz="4400" dirty="0">
-                <a:latin typeface="Arial" charset="0"/>
-                <a:ea typeface="Arial" charset="0"/>
-                <a:cs typeface="Arial" charset="0"/>
-              </a:rPr>
-              <a:t> </a:t>
-            </a:r>
-            <a:r>
-              <a:rPr lang="pt-PT" sz="4400" dirty="0" err="1">
-                <a:latin typeface="Arial" charset="0"/>
-                <a:ea typeface="Arial" charset="0"/>
-                <a:cs typeface="Arial" charset="0"/>
-              </a:rPr>
-              <a:t>magnis</a:t>
-            </a:r>
-            <a:r>
-              <a:rPr lang="pt-PT" sz="4400" dirty="0">
-                <a:latin typeface="Arial" charset="0"/>
-                <a:ea typeface="Arial" charset="0"/>
-                <a:cs typeface="Arial" charset="0"/>
-              </a:rPr>
-              <a:t> </a:t>
-            </a:r>
-            <a:r>
-              <a:rPr lang="pt-PT" sz="4400" dirty="0" err="1">
-                <a:latin typeface="Arial" charset="0"/>
-                <a:ea typeface="Arial" charset="0"/>
-                <a:cs typeface="Arial" charset="0"/>
-              </a:rPr>
-              <a:t>dis</a:t>
-            </a:r>
-            <a:r>
-              <a:rPr lang="pt-PT" sz="4400" dirty="0">
-                <a:latin typeface="Arial" charset="0"/>
-                <a:ea typeface="Arial" charset="0"/>
-                <a:cs typeface="Arial" charset="0"/>
-              </a:rPr>
-              <a:t> </a:t>
-            </a:r>
-            <a:r>
-              <a:rPr lang="pt-PT" sz="4400" dirty="0" err="1">
-                <a:latin typeface="Arial" charset="0"/>
-                <a:ea typeface="Arial" charset="0"/>
-                <a:cs typeface="Arial" charset="0"/>
-              </a:rPr>
-              <a:t>parturient</a:t>
-            </a:r>
-            <a:r>
-              <a:rPr lang="pt-PT" sz="4400" dirty="0">
-                <a:latin typeface="Arial" charset="0"/>
-                <a:ea typeface="Arial" charset="0"/>
-                <a:cs typeface="Arial" charset="0"/>
-              </a:rPr>
-              <a:t> montes, </a:t>
-            </a:r>
-            <a:r>
-              <a:rPr lang="pt-PT" sz="4400" dirty="0" err="1">
-                <a:latin typeface="Arial" charset="0"/>
-                <a:ea typeface="Arial" charset="0"/>
-                <a:cs typeface="Arial" charset="0"/>
-              </a:rPr>
-              <a:t>nascetur</a:t>
-            </a:r>
-            <a:r>
-              <a:rPr lang="pt-PT" sz="4400" dirty="0">
-                <a:latin typeface="Arial" charset="0"/>
-                <a:ea typeface="Arial" charset="0"/>
-                <a:cs typeface="Arial" charset="0"/>
-              </a:rPr>
-              <a:t> </a:t>
-            </a:r>
-            <a:r>
-              <a:rPr lang="pt-PT" sz="4400" dirty="0" err="1">
-                <a:latin typeface="Arial" charset="0"/>
-                <a:ea typeface="Arial" charset="0"/>
-                <a:cs typeface="Arial" charset="0"/>
-              </a:rPr>
-              <a:t>ridiculus</a:t>
-            </a:r>
-            <a:r>
-              <a:rPr lang="pt-PT" sz="4400" dirty="0">
-                <a:latin typeface="Arial" charset="0"/>
-                <a:ea typeface="Arial" charset="0"/>
-                <a:cs typeface="Arial" charset="0"/>
-              </a:rPr>
-              <a:t> mus. </a:t>
-            </a:r>
-            <a:r>
-              <a:rPr lang="pt-PT" sz="4400" dirty="0" err="1">
-                <a:latin typeface="Arial" charset="0"/>
-                <a:ea typeface="Arial" charset="0"/>
-                <a:cs typeface="Arial" charset="0"/>
-              </a:rPr>
-              <a:t>Donec</a:t>
-            </a:r>
-            <a:r>
-              <a:rPr lang="pt-PT" sz="4400" dirty="0">
-                <a:latin typeface="Arial" charset="0"/>
-                <a:ea typeface="Arial" charset="0"/>
-                <a:cs typeface="Arial" charset="0"/>
-              </a:rPr>
-              <a:t> </a:t>
-            </a:r>
-            <a:r>
-              <a:rPr lang="pt-PT" sz="4400" dirty="0" err="1">
-                <a:latin typeface="Arial" charset="0"/>
-                <a:ea typeface="Arial" charset="0"/>
-                <a:cs typeface="Arial" charset="0"/>
-              </a:rPr>
-              <a:t>quam</a:t>
-            </a:r>
-            <a:r>
-              <a:rPr lang="pt-PT" sz="4400" dirty="0">
-                <a:latin typeface="Arial" charset="0"/>
-                <a:ea typeface="Arial" charset="0"/>
-                <a:cs typeface="Arial" charset="0"/>
-              </a:rPr>
-              <a:t> </a:t>
-            </a:r>
-            <a:r>
-              <a:rPr lang="pt-PT" sz="4400" dirty="0" err="1">
-                <a:latin typeface="Arial" charset="0"/>
-                <a:ea typeface="Arial" charset="0"/>
-                <a:cs typeface="Arial" charset="0"/>
-              </a:rPr>
-              <a:t>felis</a:t>
-            </a:r>
-            <a:r>
-              <a:rPr lang="pt-PT" sz="4400" dirty="0">
-                <a:latin typeface="Arial" charset="0"/>
-                <a:ea typeface="Arial" charset="0"/>
-                <a:cs typeface="Arial" charset="0"/>
-              </a:rPr>
-              <a:t>, </a:t>
-            </a:r>
-            <a:r>
-              <a:rPr lang="pt-PT" sz="4400" dirty="0" err="1">
-                <a:latin typeface="Arial" charset="0"/>
-                <a:ea typeface="Arial" charset="0"/>
-                <a:cs typeface="Arial" charset="0"/>
-              </a:rPr>
-              <a:t>ultricies</a:t>
-            </a:r>
-            <a:r>
-              <a:rPr lang="pt-PT" sz="4400" dirty="0">
-                <a:latin typeface="Arial" charset="0"/>
-                <a:ea typeface="Arial" charset="0"/>
-                <a:cs typeface="Arial" charset="0"/>
-              </a:rPr>
-              <a:t> </a:t>
-            </a:r>
-            <a:r>
-              <a:rPr lang="pt-PT" sz="4400" dirty="0" err="1">
-                <a:latin typeface="Arial" charset="0"/>
-                <a:ea typeface="Arial" charset="0"/>
-                <a:cs typeface="Arial" charset="0"/>
-              </a:rPr>
-              <a:t>nec</a:t>
-            </a:r>
-            <a:r>
-              <a:rPr lang="pt-PT" sz="4400" dirty="0">
-                <a:latin typeface="Arial" charset="0"/>
-                <a:ea typeface="Arial" charset="0"/>
-                <a:cs typeface="Arial" charset="0"/>
-              </a:rPr>
-              <a:t>, </a:t>
-            </a:r>
-            <a:r>
-              <a:rPr lang="pt-PT" sz="4400" dirty="0" err="1">
-                <a:latin typeface="Arial" charset="0"/>
-                <a:ea typeface="Arial" charset="0"/>
-                <a:cs typeface="Arial" charset="0"/>
-              </a:rPr>
-              <a:t>pellentesque</a:t>
-            </a:r>
-            <a:r>
-              <a:rPr lang="pt-PT" sz="4400" dirty="0">
-                <a:latin typeface="Arial" charset="0"/>
-                <a:ea typeface="Arial" charset="0"/>
-                <a:cs typeface="Arial" charset="0"/>
-              </a:rPr>
-              <a:t> eu, </a:t>
-            </a:r>
-            <a:r>
-              <a:rPr lang="pt-PT" sz="4400" dirty="0" err="1">
-                <a:latin typeface="Arial" charset="0"/>
-                <a:ea typeface="Arial" charset="0"/>
-                <a:cs typeface="Arial" charset="0"/>
-              </a:rPr>
-              <a:t>pretium</a:t>
-            </a:r>
-            <a:r>
-              <a:rPr lang="pt-PT" sz="4400" dirty="0">
-                <a:latin typeface="Arial" charset="0"/>
-                <a:ea typeface="Arial" charset="0"/>
-                <a:cs typeface="Arial" charset="0"/>
-              </a:rPr>
-              <a:t> quis, sem. </a:t>
-            </a:r>
-            <a:r>
-              <a:rPr lang="pt-PT" sz="4400" dirty="0" err="1">
-                <a:latin typeface="Arial" charset="0"/>
-                <a:ea typeface="Arial" charset="0"/>
-                <a:cs typeface="Arial" charset="0"/>
-              </a:rPr>
-              <a:t>rhoncus</a:t>
-            </a:r>
-            <a:r>
-              <a:rPr lang="pt-PT" sz="4400" dirty="0">
-                <a:latin typeface="Arial" charset="0"/>
-                <a:ea typeface="Arial" charset="0"/>
-                <a:cs typeface="Arial" charset="0"/>
-              </a:rPr>
-              <a:t>. </a:t>
-            </a:r>
-            <a:r>
-              <a:rPr lang="pt-PT" sz="4400" dirty="0" err="1">
-                <a:latin typeface="Arial" charset="0"/>
-                <a:ea typeface="Arial" charset="0"/>
-                <a:cs typeface="Arial" charset="0"/>
-              </a:rPr>
-              <a:t>Maecenas</a:t>
-            </a:r>
-            <a:r>
-              <a:rPr lang="pt-PT" sz="4400" dirty="0">
-                <a:latin typeface="Arial" charset="0"/>
-                <a:ea typeface="Arial" charset="0"/>
-                <a:cs typeface="Arial" charset="0"/>
-              </a:rPr>
-              <a:t> </a:t>
-            </a:r>
-            <a:r>
-              <a:rPr lang="pt-PT" sz="4400" dirty="0" err="1">
-                <a:latin typeface="Arial" charset="0"/>
-                <a:ea typeface="Arial" charset="0"/>
-                <a:cs typeface="Arial" charset="0"/>
-              </a:rPr>
-              <a:t>tempus</a:t>
-            </a:r>
-            <a:r>
-              <a:rPr lang="pt-PT" sz="4400" dirty="0">
-                <a:latin typeface="Arial" charset="0"/>
-                <a:ea typeface="Arial" charset="0"/>
-                <a:cs typeface="Arial" charset="0"/>
-              </a:rPr>
-              <a:t>, </a:t>
-            </a:r>
-            <a:r>
-              <a:rPr lang="pt-PT" sz="4400" dirty="0" err="1">
-                <a:latin typeface="Arial" charset="0"/>
-                <a:ea typeface="Arial" charset="0"/>
-                <a:cs typeface="Arial" charset="0"/>
-              </a:rPr>
-              <a:t>tellus</a:t>
-            </a:r>
-            <a:r>
-              <a:rPr lang="pt-PT" sz="4400" dirty="0">
-                <a:latin typeface="Arial" charset="0"/>
-                <a:ea typeface="Arial" charset="0"/>
-                <a:cs typeface="Arial" charset="0"/>
-              </a:rPr>
-              <a:t> </a:t>
-            </a:r>
-            <a:r>
-              <a:rPr lang="pt-PT" sz="4400" dirty="0" err="1">
-                <a:latin typeface="Arial" charset="0"/>
-                <a:ea typeface="Arial" charset="0"/>
-                <a:cs typeface="Arial" charset="0"/>
-              </a:rPr>
-              <a:t>eget</a:t>
-            </a:r>
-            <a:r>
-              <a:rPr lang="pt-PT" sz="4400" dirty="0">
-                <a:latin typeface="Arial" charset="0"/>
-                <a:ea typeface="Arial" charset="0"/>
-                <a:cs typeface="Arial" charset="0"/>
-              </a:rPr>
-              <a:t> </a:t>
-            </a:r>
-            <a:r>
-              <a:rPr lang="pt-PT" sz="4400" dirty="0" err="1">
-                <a:latin typeface="Arial" charset="0"/>
-                <a:ea typeface="Arial" charset="0"/>
-                <a:cs typeface="Arial" charset="0"/>
-              </a:rPr>
-              <a:t>condimentum</a:t>
-            </a:r>
-            <a:r>
-              <a:rPr lang="pt-PT" sz="4400" dirty="0">
-                <a:latin typeface="Arial" charset="0"/>
-                <a:ea typeface="Arial" charset="0"/>
-                <a:cs typeface="Arial" charset="0"/>
-              </a:rPr>
-              <a:t> </a:t>
-            </a:r>
-            <a:r>
-              <a:rPr lang="pt-PT" sz="4400" dirty="0" err="1">
-                <a:latin typeface="Arial" charset="0"/>
-                <a:ea typeface="Arial" charset="0"/>
-                <a:cs typeface="Arial" charset="0"/>
-              </a:rPr>
-              <a:t>rhoncus</a:t>
-            </a:r>
-            <a:r>
-              <a:rPr lang="pt-PT" sz="4400" dirty="0">
-                <a:latin typeface="Arial" charset="0"/>
-                <a:ea typeface="Arial" charset="0"/>
-                <a:cs typeface="Arial" charset="0"/>
-              </a:rPr>
-              <a:t>.</a:t>
-            </a:r>
-          </a:p>
-        </p:txBody>
-      </p:sp>
-      <p:sp>
-        <p:nvSpPr>
-          <p:cNvPr id="17" name="Retângulo 16"/>
-          <p:cNvSpPr/>
-          <p:nvPr/>
-        </p:nvSpPr>
-        <p:spPr>
-          <a:xfrm>
-            <a:off x="24034748" y="10079010"/>
-            <a:ext cx="7105651" cy="4297571"/>
-          </a:xfrm>
-          <a:prstGeom prst="rect">
-            <a:avLst/>
-          </a:prstGeom>
-        </p:spPr>
-        <p:style>
-          <a:lnRef idx="1">
-            <a:schemeClr val="accent1"/>
-          </a:lnRef>
-          <a:fillRef idx="3">
-            <a:schemeClr val="accent1"/>
-          </a:fillRef>
-          <a:effectRef idx="2">
-            <a:schemeClr val="accent1"/>
-          </a:effectRef>
-          <a:fontRef idx="minor">
-            <a:schemeClr val="lt1"/>
-          </a:fontRef>
-        </p:style>
-        <p:txBody>
-          <a:bodyPr rtlCol="0" anchor="ctr"/>
-          <a:lstStyle/>
-          <a:p>
-            <a:pPr algn="ctr"/>
-            <a:r>
-              <a:rPr lang="pt-PT" sz="8000"/>
-              <a:t>IMAGEM/PRINT</a:t>
-            </a:r>
-            <a:endParaRPr lang="pt-PT" sz="8000" dirty="0"/>
-          </a:p>
-        </p:txBody>
-      </p:sp>
-      <p:sp>
-        <p:nvSpPr>
-          <p:cNvPr id="18" name="Retângulo 17"/>
-          <p:cNvSpPr/>
-          <p:nvPr/>
-        </p:nvSpPr>
-        <p:spPr>
-          <a:xfrm>
-            <a:off x="16160749" y="10078325"/>
-            <a:ext cx="7385051" cy="4297571"/>
-          </a:xfrm>
-          <a:prstGeom prst="rect">
-            <a:avLst/>
-          </a:prstGeom>
-        </p:spPr>
-        <p:style>
-          <a:lnRef idx="1">
-            <a:schemeClr val="accent1"/>
-          </a:lnRef>
-          <a:fillRef idx="3">
-            <a:schemeClr val="accent1"/>
-          </a:fillRef>
-          <a:effectRef idx="2">
-            <a:schemeClr val="accent1"/>
-          </a:effectRef>
-          <a:fontRef idx="minor">
-            <a:schemeClr val="lt1"/>
-          </a:fontRef>
-        </p:style>
-        <p:txBody>
-          <a:bodyPr rtlCol="0" anchor="ctr"/>
-          <a:lstStyle/>
-          <a:p>
-            <a:pPr algn="ctr"/>
-            <a:r>
-              <a:rPr lang="pt-PT" dirty="0"/>
-              <a:t>IMAGEM/PRINT</a:t>
-            </a:r>
+              <a:t> software to enhance property management efficiency.</a:t>
+            </a:r>
+            <a:endParaRPr lang="pt-PT" sz="4400" dirty="0">
+              <a:latin typeface="Arial" charset="0"/>
+              <a:ea typeface="Arial" charset="0"/>
+              <a:cs typeface="Arial" charset="0"/>
+            </a:endParaRPr>
           </a:p>
         </p:txBody>
       </p:sp>
@@ -4736,7 +4148,7 @@
         </p:nvSpPr>
         <p:spPr>
           <a:xfrm>
-            <a:off x="16160749" y="14589139"/>
+            <a:off x="23347535" y="15185470"/>
             <a:ext cx="5607051" cy="553998"/>
           </a:xfrm>
           <a:prstGeom prst="rect">
@@ -4750,47 +4162,28 @@
           </a:bodyPr>
           <a:lstStyle/>
           <a:p>
+            <a:pPr algn="ctr"/>
             <a:r>
               <a:rPr lang="pt-PT" sz="3000" dirty="0">
                 <a:latin typeface="Arial" charset="0"/>
                 <a:ea typeface="Arial" charset="0"/>
                 <a:cs typeface="Arial" charset="0"/>
               </a:rPr>
-              <a:t>Eu sou uma legenda / figura</a:t>
-            </a:r>
-          </a:p>
-        </p:txBody>
-      </p:sp>
-      <p:sp>
-        <p:nvSpPr>
-          <p:cNvPr id="20" name="CaixaDeTexto 19"/>
-          <p:cNvSpPr txBox="1"/>
-          <p:nvPr/>
-        </p:nvSpPr>
-        <p:spPr>
-          <a:xfrm>
-            <a:off x="24056975" y="14589139"/>
-            <a:ext cx="5607051" cy="553998"/>
-          </a:xfrm>
-          <a:prstGeom prst="rect">
-            <a:avLst/>
-          </a:prstGeom>
-          <a:noFill/>
-        </p:spPr>
-        <p:txBody>
-          <a:bodyPr wrap="square" rtlCol="0">
-            <a:spAutoFit/>
-          </a:bodyPr>
-          <a:lstStyle/>
-          <a:p>
-            <a:r>
-              <a:rPr lang="pt-PT" sz="3000" dirty="0">
+              <a:t>Login </a:t>
+            </a:r>
+            <a:r>
+              <a:rPr lang="pt-PT" sz="3000" dirty="0" err="1">
                 <a:latin typeface="Arial" charset="0"/>
                 <a:ea typeface="Arial" charset="0"/>
                 <a:cs typeface="Arial" charset="0"/>
               </a:rPr>
-              <a:t>Eu sou uma legenda / figura</a:t>
-            </a:r>
+              <a:t>Screen</a:t>
+            </a:r>
+            <a:endParaRPr lang="pt-PT" sz="3000" dirty="0">
+              <a:latin typeface="Arial" charset="0"/>
+              <a:ea typeface="Arial" charset="0"/>
+              <a:cs typeface="Arial" charset="0"/>
+            </a:endParaRPr>
           </a:p>
         </p:txBody>
       </p:sp>
@@ -4804,7 +4197,7 @@
         </p:nvSpPr>
         <p:spPr>
           <a:xfrm>
-            <a:off x="429260" y="16364246"/>
+            <a:off x="389722" y="13692207"/>
             <a:ext cx="12276177" cy="920115"/>
           </a:xfrm>
           <a:prstGeom prst="rect">
@@ -4834,14 +4227,204 @@
           <a:p>
             <a:pPr algn="l"/>
             <a:r>
-              <a:rPr lang="en-US" sz="5400" b="1" dirty="0" err="1">
+              <a:rPr lang="en-US" sz="5400" b="1" dirty="0">
                 <a:latin typeface="Arial" charset="0"/>
                 <a:ea typeface="Arial" charset="0"/>
                 <a:cs typeface="Arial" charset="0"/>
               </a:rPr>
-              <a:t>Objetivo</a:t>
-            </a:r>
-            <a:endParaRPr lang="en-US" sz="5400" b="1" dirty="0">
+              <a:t>Objective</a:t>
+            </a:r>
+          </a:p>
+        </p:txBody>
+      </p:sp>
+      <p:sp>
+        <p:nvSpPr>
+          <p:cNvPr id="22" name="CaixaDeTexto 21"/>
+          <p:cNvSpPr txBox="1"/>
+          <p:nvPr/>
+        </p:nvSpPr>
+        <p:spPr>
+          <a:xfrm>
+            <a:off x="733892" y="14871682"/>
+            <a:ext cx="18708370" cy="8894743"/>
+          </a:xfrm>
+          <a:prstGeom prst="rect">
+            <a:avLst/>
+          </a:prstGeom>
+          <a:noFill/>
+        </p:spPr>
+        <p:txBody>
+          <a:bodyPr wrap="square" rtlCol="0">
+            <a:spAutoFit/>
+          </a:bodyPr>
+          <a:lstStyle/>
+          <a:p>
+            <a:pPr algn="just"/>
+            <a:r>
+              <a:rPr lang="en-US" sz="4400" dirty="0">
+                <a:latin typeface="Arial" charset="0"/>
+                <a:ea typeface="Arial" charset="0"/>
+                <a:cs typeface="Arial" charset="0"/>
+              </a:rPr>
+              <a:t>	The main objective of the </a:t>
+            </a:r>
+            <a:r>
+              <a:rPr lang="en-US" sz="4400" dirty="0" err="1">
+                <a:latin typeface="Arial" charset="0"/>
+                <a:ea typeface="Arial" charset="0"/>
+                <a:cs typeface="Arial" charset="0"/>
+              </a:rPr>
+              <a:t>GESImoveis</a:t>
+            </a:r>
+            <a:r>
+              <a:rPr lang="en-US" sz="4400" dirty="0">
+                <a:latin typeface="Arial" charset="0"/>
+                <a:ea typeface="Arial" charset="0"/>
+                <a:cs typeface="Arial" charset="0"/>
+              </a:rPr>
+              <a:t> project is to develop a comprehensive web platform for real estate management. The system should allow users to manage various types of properties and rental contracts effectively. Key features include:</a:t>
+            </a:r>
+          </a:p>
+          <a:p>
+            <a:pPr marL="571500" indent="-571500" algn="just">
+              <a:buFont typeface="Arial" panose="020B0604020202020204" pitchFamily="34" charset="0"/>
+              <a:buChar char="•"/>
+            </a:pPr>
+            <a:r>
+              <a:rPr lang="en-US" sz="4400" b="1" dirty="0">
+                <a:latin typeface="Arial" charset="0"/>
+                <a:ea typeface="Arial" charset="0"/>
+                <a:cs typeface="Arial" charset="0"/>
+              </a:rPr>
+              <a:t>User management</a:t>
+            </a:r>
+            <a:r>
+              <a:rPr lang="en-US" sz="4400" dirty="0">
+                <a:latin typeface="Arial" charset="0"/>
+                <a:ea typeface="Arial" charset="0"/>
+                <a:cs typeface="Arial" charset="0"/>
+              </a:rPr>
+              <a:t>: Register and manage users. </a:t>
+            </a:r>
+          </a:p>
+          <a:p>
+            <a:pPr marL="571500" indent="-571500" algn="just">
+              <a:buFont typeface="Arial" panose="020B0604020202020204" pitchFamily="34" charset="0"/>
+              <a:buChar char="•"/>
+            </a:pPr>
+            <a:r>
+              <a:rPr lang="en-US" sz="4400" b="1" dirty="0">
+                <a:latin typeface="Arial" charset="0"/>
+                <a:ea typeface="Arial" charset="0"/>
+                <a:cs typeface="Arial" charset="0"/>
+              </a:rPr>
+              <a:t>Property management</a:t>
+            </a:r>
+            <a:r>
+              <a:rPr lang="en-US" sz="4400" dirty="0">
+                <a:latin typeface="Arial" charset="0"/>
+                <a:ea typeface="Arial" charset="0"/>
+                <a:cs typeface="Arial" charset="0"/>
+              </a:rPr>
+              <a:t>: Handle different types of properties with details like type, area, address, year of construction, and financial information.</a:t>
+            </a:r>
+          </a:p>
+          <a:p>
+            <a:pPr marL="571500" indent="-571500" algn="just">
+              <a:buFont typeface="Arial" panose="020B0604020202020204" pitchFamily="34" charset="0"/>
+              <a:buChar char="•"/>
+            </a:pPr>
+            <a:r>
+              <a:rPr lang="en-US" sz="4400" b="1" dirty="0">
+                <a:latin typeface="Arial" charset="0"/>
+                <a:ea typeface="Arial" charset="0"/>
+                <a:cs typeface="Arial" charset="0"/>
+              </a:rPr>
+              <a:t>Expense Tracking</a:t>
+            </a:r>
+            <a:r>
+              <a:rPr lang="en-US" sz="4400" dirty="0">
+                <a:latin typeface="Arial" charset="0"/>
+                <a:ea typeface="Arial" charset="0"/>
+                <a:cs typeface="Arial" charset="0"/>
+              </a:rPr>
+              <a:t>: Record and manage property-related expenses.</a:t>
+            </a:r>
+          </a:p>
+          <a:p>
+            <a:pPr marL="571500" indent="-571500" algn="just">
+              <a:buFont typeface="Arial" panose="020B0604020202020204" pitchFamily="34" charset="0"/>
+              <a:buChar char="•"/>
+            </a:pPr>
+            <a:r>
+              <a:rPr lang="en-US" sz="4400" b="1" dirty="0">
+                <a:latin typeface="Arial" charset="0"/>
+                <a:ea typeface="Arial" charset="0"/>
+                <a:cs typeface="Arial" charset="0"/>
+              </a:rPr>
+              <a:t>Tenant Management</a:t>
+            </a:r>
+            <a:r>
+              <a:rPr lang="en-US" sz="4400" dirty="0">
+                <a:latin typeface="Arial" charset="0"/>
+                <a:ea typeface="Arial" charset="0"/>
+                <a:cs typeface="Arial" charset="0"/>
+              </a:rPr>
+              <a:t>: Register and manage tenant information.</a:t>
+            </a:r>
+          </a:p>
+          <a:p>
+            <a:pPr marL="571500" indent="-571500" algn="just">
+              <a:buFont typeface="Arial" panose="020B0604020202020204" pitchFamily="34" charset="0"/>
+              <a:buChar char="•"/>
+            </a:pPr>
+            <a:r>
+              <a:rPr lang="en-US" sz="4400" b="1" dirty="0">
+                <a:latin typeface="Arial" charset="0"/>
+                <a:ea typeface="Arial" charset="0"/>
+                <a:cs typeface="Arial" charset="0"/>
+              </a:rPr>
+              <a:t>Rental Contracts</a:t>
+            </a:r>
+            <a:r>
+              <a:rPr lang="en-US" sz="4400" dirty="0">
+                <a:latin typeface="Arial" charset="0"/>
+                <a:ea typeface="Arial" charset="0"/>
+                <a:cs typeface="Arial" charset="0"/>
+              </a:rPr>
+              <a:t>: Manage rental contracts with details such as start and end dates, payment schedules, and contract terms.</a:t>
+            </a:r>
+          </a:p>
+          <a:p>
+            <a:pPr marL="571500" indent="-571500" algn="just">
+              <a:buFont typeface="Arial" panose="020B0604020202020204" pitchFamily="34" charset="0"/>
+              <a:buChar char="•"/>
+            </a:pPr>
+            <a:r>
+              <a:rPr lang="en-US" sz="4400" b="1" dirty="0">
+                <a:latin typeface="Arial" charset="0"/>
+                <a:ea typeface="Arial" charset="0"/>
+                <a:cs typeface="Arial" charset="0"/>
+              </a:rPr>
+              <a:t>Integration with </a:t>
+            </a:r>
+            <a:r>
+              <a:rPr lang="en-US" sz="4400" b="1" dirty="0" err="1">
+                <a:latin typeface="Arial" charset="0"/>
+                <a:ea typeface="Arial" charset="0"/>
+                <a:cs typeface="Arial" charset="0"/>
+              </a:rPr>
+              <a:t>GESFaturacao</a:t>
+            </a:r>
+            <a:r>
+              <a:rPr lang="en-US" sz="4400" dirty="0">
+                <a:latin typeface="Arial" charset="0"/>
+                <a:ea typeface="Arial" charset="0"/>
+                <a:cs typeface="Arial" charset="0"/>
+              </a:rPr>
+              <a:t>: Use the API to create invoices for rent payments directly from the platform.</a:t>
+            </a:r>
+            <a:endParaRPr lang="pt-PT" sz="4400" dirty="0">
               <a:latin typeface="Arial" charset="0"/>
               <a:ea typeface="Arial" charset="0"/>
               <a:cs typeface="Arial" charset="0"/>
@@ -4851,14 +4434,14 @@
       </p:sp>
       <p:sp>
         <p:nvSpPr>
-          <p:cNvPr id="22" name="CaixaDeTexto 21"/>
+          <p:cNvPr id="23" name="CaixaDeTexto 22"/>
           <p:cNvSpPr txBox="1"/>
           <p:nvPr/>
         </p:nvSpPr>
         <p:spPr>
           <a:xfrm>
-            <a:off x="773430" y="17543721"/>
-            <a:ext cx="19882484" cy="5509200"/>
+            <a:off x="23165987" y="23684421"/>
+            <a:ext cx="5607051" cy="553998"/>
           </a:xfrm>
           <a:prstGeom prst="rect">
             <a:avLst/>
@@ -4871,1411 +4454,44 @@
           </a:bodyPr>
           <a:lstStyle/>
           <a:p>
-            <a:pPr algn="just"/>
-            <a:r>
-              <a:rPr lang="pt-PT" sz="4400" dirty="0" err="1">
-                <a:latin typeface="Arial" charset="0"/>
-                <a:ea typeface="Arial" charset="0"/>
-                <a:cs typeface="Arial" charset="0"/>
-              </a:rPr>
-              <a:t>Lorem</a:t>
-            </a:r>
-            <a:r>
-              <a:rPr lang="pt-PT" sz="4400" dirty="0">
-                <a:latin typeface="Arial" charset="0"/>
-                <a:ea typeface="Arial" charset="0"/>
-                <a:cs typeface="Arial" charset="0"/>
-              </a:rPr>
-              <a:t> </a:t>
-            </a:r>
-            <a:r>
-              <a:rPr lang="pt-PT" sz="4400" dirty="0" err="1">
-                <a:latin typeface="Arial" charset="0"/>
-                <a:ea typeface="Arial" charset="0"/>
-                <a:cs typeface="Arial" charset="0"/>
-              </a:rPr>
-              <a:t>ipsum</a:t>
-            </a:r>
-            <a:r>
-              <a:rPr lang="pt-PT" sz="4400" dirty="0">
-                <a:latin typeface="Arial" charset="0"/>
-                <a:ea typeface="Arial" charset="0"/>
-                <a:cs typeface="Arial" charset="0"/>
-              </a:rPr>
-              <a:t> </a:t>
-            </a:r>
-            <a:r>
-              <a:rPr lang="pt-PT" sz="4400" dirty="0" err="1">
-                <a:latin typeface="Arial" charset="0"/>
-                <a:ea typeface="Arial" charset="0"/>
-                <a:cs typeface="Arial" charset="0"/>
-              </a:rPr>
-              <a:t>dolor</a:t>
-            </a:r>
-            <a:r>
-              <a:rPr lang="pt-PT" sz="4400" dirty="0">
-                <a:latin typeface="Arial" charset="0"/>
-                <a:ea typeface="Arial" charset="0"/>
-                <a:cs typeface="Arial" charset="0"/>
-              </a:rPr>
-              <a:t> </a:t>
-            </a:r>
-            <a:r>
-              <a:rPr lang="pt-PT" sz="4400" dirty="0" err="1">
-                <a:latin typeface="Arial" charset="0"/>
-                <a:ea typeface="Arial" charset="0"/>
-                <a:cs typeface="Arial" charset="0"/>
-              </a:rPr>
-              <a:t>sit</a:t>
-            </a:r>
-            <a:r>
-              <a:rPr lang="pt-PT" sz="4400" dirty="0">
-                <a:latin typeface="Arial" charset="0"/>
-                <a:ea typeface="Arial" charset="0"/>
-                <a:cs typeface="Arial" charset="0"/>
-              </a:rPr>
-              <a:t> </a:t>
-            </a:r>
-            <a:r>
-              <a:rPr lang="pt-PT" sz="4400" dirty="0" err="1">
-                <a:latin typeface="Arial" charset="0"/>
-                <a:ea typeface="Arial" charset="0"/>
-                <a:cs typeface="Arial" charset="0"/>
-              </a:rPr>
-              <a:t>amet</a:t>
-            </a:r>
-            <a:r>
-              <a:rPr lang="pt-PT" sz="4400" dirty="0">
-                <a:latin typeface="Arial" charset="0"/>
-                <a:ea typeface="Arial" charset="0"/>
-                <a:cs typeface="Arial" charset="0"/>
-              </a:rPr>
-              <a:t>, </a:t>
-            </a:r>
-            <a:r>
-              <a:rPr lang="pt-PT" sz="4400" dirty="0" err="1">
-                <a:latin typeface="Arial" charset="0"/>
-                <a:ea typeface="Arial" charset="0"/>
-                <a:cs typeface="Arial" charset="0"/>
-              </a:rPr>
-              <a:t>consectetuer</a:t>
-            </a:r>
-            <a:r>
-              <a:rPr lang="pt-PT" sz="4400" dirty="0">
-                <a:latin typeface="Arial" charset="0"/>
-                <a:ea typeface="Arial" charset="0"/>
-                <a:cs typeface="Arial" charset="0"/>
-              </a:rPr>
-              <a:t> </a:t>
-            </a:r>
-            <a:r>
-              <a:rPr lang="pt-PT" sz="4400" dirty="0" err="1">
-                <a:latin typeface="Arial" charset="0"/>
-                <a:ea typeface="Arial" charset="0"/>
-                <a:cs typeface="Arial" charset="0"/>
-              </a:rPr>
-              <a:t>adipiscing</a:t>
-            </a:r>
-            <a:r>
-              <a:rPr lang="pt-PT" sz="4400" dirty="0">
-                <a:latin typeface="Arial" charset="0"/>
-                <a:ea typeface="Arial" charset="0"/>
-                <a:cs typeface="Arial" charset="0"/>
-              </a:rPr>
-              <a:t> </a:t>
-            </a:r>
-            <a:r>
-              <a:rPr lang="pt-PT" sz="4400" dirty="0" err="1">
-                <a:latin typeface="Arial" charset="0"/>
-                <a:ea typeface="Arial" charset="0"/>
-                <a:cs typeface="Arial" charset="0"/>
-              </a:rPr>
-              <a:t>elit</a:t>
-            </a:r>
-            <a:r>
-              <a:rPr lang="pt-PT" sz="4400" dirty="0">
-                <a:latin typeface="Arial" charset="0"/>
-                <a:ea typeface="Arial" charset="0"/>
-                <a:cs typeface="Arial" charset="0"/>
-              </a:rPr>
-              <a:t>. </a:t>
-            </a:r>
-            <a:r>
-              <a:rPr lang="pt-PT" sz="4400" dirty="0" err="1">
-                <a:latin typeface="Arial" charset="0"/>
-                <a:ea typeface="Arial" charset="0"/>
-                <a:cs typeface="Arial" charset="0"/>
-              </a:rPr>
-              <a:t>Aenean</a:t>
-            </a:r>
-            <a:r>
-              <a:rPr lang="pt-PT" sz="4400" dirty="0">
-                <a:latin typeface="Arial" charset="0"/>
-                <a:ea typeface="Arial" charset="0"/>
-                <a:cs typeface="Arial" charset="0"/>
-              </a:rPr>
-              <a:t> </a:t>
-            </a:r>
-            <a:r>
-              <a:rPr lang="pt-PT" sz="4400" dirty="0" err="1">
-                <a:latin typeface="Arial" charset="0"/>
-                <a:ea typeface="Arial" charset="0"/>
-                <a:cs typeface="Arial" charset="0"/>
-              </a:rPr>
-              <a:t>commodo</a:t>
-            </a:r>
-            <a:r>
-              <a:rPr lang="pt-PT" sz="4400" dirty="0">
-                <a:latin typeface="Arial" charset="0"/>
-                <a:ea typeface="Arial" charset="0"/>
-                <a:cs typeface="Arial" charset="0"/>
-              </a:rPr>
-              <a:t> </a:t>
-            </a:r>
-            <a:r>
-              <a:rPr lang="pt-PT" sz="4400" dirty="0" err="1">
-                <a:latin typeface="Arial" charset="0"/>
-                <a:ea typeface="Arial" charset="0"/>
-                <a:cs typeface="Arial" charset="0"/>
-              </a:rPr>
-              <a:t>ligula</a:t>
-            </a:r>
-            <a:r>
-              <a:rPr lang="pt-PT" sz="4400" dirty="0">
-                <a:latin typeface="Arial" charset="0"/>
-                <a:ea typeface="Arial" charset="0"/>
-                <a:cs typeface="Arial" charset="0"/>
-              </a:rPr>
-              <a:t> </a:t>
-            </a:r>
-            <a:r>
-              <a:rPr lang="pt-PT" sz="4400" dirty="0" err="1">
-                <a:latin typeface="Arial" charset="0"/>
-                <a:ea typeface="Arial" charset="0"/>
-                <a:cs typeface="Arial" charset="0"/>
-              </a:rPr>
-              <a:t>eget</a:t>
-            </a:r>
-            <a:r>
-              <a:rPr lang="pt-PT" sz="4400" dirty="0">
-                <a:latin typeface="Arial" charset="0"/>
-                <a:ea typeface="Arial" charset="0"/>
-                <a:cs typeface="Arial" charset="0"/>
-              </a:rPr>
-              <a:t> </a:t>
-            </a:r>
-            <a:r>
-              <a:rPr lang="pt-PT" sz="4400" dirty="0" err="1">
-                <a:latin typeface="Arial" charset="0"/>
-                <a:ea typeface="Arial" charset="0"/>
-                <a:cs typeface="Arial" charset="0"/>
-              </a:rPr>
-              <a:t>dolor</a:t>
-            </a:r>
-            <a:r>
-              <a:rPr lang="pt-PT" sz="4400" dirty="0">
-                <a:latin typeface="Arial" charset="0"/>
-                <a:ea typeface="Arial" charset="0"/>
-                <a:cs typeface="Arial" charset="0"/>
-              </a:rPr>
-              <a:t>. </a:t>
-            </a:r>
-            <a:r>
-              <a:rPr lang="pt-PT" sz="4400" dirty="0" err="1">
-                <a:latin typeface="Arial" charset="0"/>
-                <a:ea typeface="Arial" charset="0"/>
-                <a:cs typeface="Arial" charset="0"/>
-              </a:rPr>
-              <a:t>Aenean</a:t>
-            </a:r>
-            <a:r>
-              <a:rPr lang="pt-PT" sz="4400" dirty="0">
-                <a:latin typeface="Arial" charset="0"/>
-                <a:ea typeface="Arial" charset="0"/>
-                <a:cs typeface="Arial" charset="0"/>
-              </a:rPr>
-              <a:t> massa. Cum </a:t>
-            </a:r>
-            <a:r>
-              <a:rPr lang="pt-PT" sz="4400" dirty="0" err="1">
-                <a:latin typeface="Arial" charset="0"/>
-                <a:ea typeface="Arial" charset="0"/>
-                <a:cs typeface="Arial" charset="0"/>
-              </a:rPr>
-              <a:t>sociis</a:t>
-            </a:r>
-            <a:r>
-              <a:rPr lang="pt-PT" sz="4400" dirty="0">
-                <a:latin typeface="Arial" charset="0"/>
-                <a:ea typeface="Arial" charset="0"/>
-                <a:cs typeface="Arial" charset="0"/>
-              </a:rPr>
-              <a:t> </a:t>
-            </a:r>
-            <a:r>
-              <a:rPr lang="pt-PT" sz="4400" dirty="0" err="1">
-                <a:latin typeface="Arial" charset="0"/>
-                <a:ea typeface="Arial" charset="0"/>
-                <a:cs typeface="Arial" charset="0"/>
-              </a:rPr>
-              <a:t>natoque</a:t>
-            </a:r>
-            <a:r>
-              <a:rPr lang="pt-PT" sz="4400" dirty="0">
-                <a:latin typeface="Arial" charset="0"/>
-                <a:ea typeface="Arial" charset="0"/>
-                <a:cs typeface="Arial" charset="0"/>
-              </a:rPr>
-              <a:t> </a:t>
-            </a:r>
-            <a:r>
-              <a:rPr lang="pt-PT" sz="4400" dirty="0" err="1">
-                <a:latin typeface="Arial" charset="0"/>
-                <a:ea typeface="Arial" charset="0"/>
-                <a:cs typeface="Arial" charset="0"/>
-              </a:rPr>
-              <a:t>penatibus</a:t>
-            </a:r>
-            <a:r>
-              <a:rPr lang="pt-PT" sz="4400" dirty="0">
-                <a:latin typeface="Arial" charset="0"/>
-                <a:ea typeface="Arial" charset="0"/>
-                <a:cs typeface="Arial" charset="0"/>
-              </a:rPr>
-              <a:t> </a:t>
-            </a:r>
-            <a:r>
-              <a:rPr lang="pt-PT" sz="4400" dirty="0" err="1">
-                <a:latin typeface="Arial" charset="0"/>
-                <a:ea typeface="Arial" charset="0"/>
-                <a:cs typeface="Arial" charset="0"/>
-              </a:rPr>
-              <a:t>et</a:t>
-            </a:r>
-            <a:r>
-              <a:rPr lang="pt-PT" sz="4400" dirty="0">
-                <a:latin typeface="Arial" charset="0"/>
-                <a:ea typeface="Arial" charset="0"/>
-                <a:cs typeface="Arial" charset="0"/>
-              </a:rPr>
-              <a:t> </a:t>
-            </a:r>
-            <a:r>
-              <a:rPr lang="pt-PT" sz="4400" dirty="0" err="1">
-                <a:latin typeface="Arial" charset="0"/>
-                <a:ea typeface="Arial" charset="0"/>
-                <a:cs typeface="Arial" charset="0"/>
-              </a:rPr>
-              <a:t>magnis</a:t>
-            </a:r>
-            <a:r>
-              <a:rPr lang="pt-PT" sz="4400" dirty="0">
-                <a:latin typeface="Arial" charset="0"/>
-                <a:ea typeface="Arial" charset="0"/>
-                <a:cs typeface="Arial" charset="0"/>
-              </a:rPr>
-              <a:t> </a:t>
-            </a:r>
-            <a:r>
-              <a:rPr lang="pt-PT" sz="4400" dirty="0" err="1">
-                <a:latin typeface="Arial" charset="0"/>
-                <a:ea typeface="Arial" charset="0"/>
-                <a:cs typeface="Arial" charset="0"/>
-              </a:rPr>
-              <a:t>dis</a:t>
-            </a:r>
-            <a:r>
-              <a:rPr lang="pt-PT" sz="4400" dirty="0">
-                <a:latin typeface="Arial" charset="0"/>
-                <a:ea typeface="Arial" charset="0"/>
-                <a:cs typeface="Arial" charset="0"/>
-              </a:rPr>
-              <a:t> </a:t>
-            </a:r>
-            <a:r>
-              <a:rPr lang="pt-PT" sz="4400" dirty="0" err="1">
-                <a:latin typeface="Arial" charset="0"/>
-                <a:ea typeface="Arial" charset="0"/>
-                <a:cs typeface="Arial" charset="0"/>
-              </a:rPr>
-              <a:t>parturient</a:t>
-            </a:r>
-            <a:r>
-              <a:rPr lang="pt-PT" sz="4400" dirty="0">
-                <a:latin typeface="Arial" charset="0"/>
-                <a:ea typeface="Arial" charset="0"/>
-                <a:cs typeface="Arial" charset="0"/>
-              </a:rPr>
-              <a:t> montes, </a:t>
-            </a:r>
-            <a:r>
-              <a:rPr lang="pt-PT" sz="4400" dirty="0" err="1">
-                <a:latin typeface="Arial" charset="0"/>
-                <a:ea typeface="Arial" charset="0"/>
-                <a:cs typeface="Arial" charset="0"/>
-              </a:rPr>
-              <a:t>nascetur</a:t>
-            </a:r>
-            <a:r>
-              <a:rPr lang="pt-PT" sz="4400" dirty="0">
-                <a:latin typeface="Arial" charset="0"/>
-                <a:ea typeface="Arial" charset="0"/>
-                <a:cs typeface="Arial" charset="0"/>
-              </a:rPr>
-              <a:t> </a:t>
-            </a:r>
-            <a:r>
-              <a:rPr lang="pt-PT" sz="4400" dirty="0" err="1">
-                <a:latin typeface="Arial" charset="0"/>
-                <a:ea typeface="Arial" charset="0"/>
-                <a:cs typeface="Arial" charset="0"/>
-              </a:rPr>
-              <a:t>ridiculus</a:t>
-            </a:r>
-            <a:r>
-              <a:rPr lang="pt-PT" sz="4400" dirty="0">
-                <a:latin typeface="Arial" charset="0"/>
-                <a:ea typeface="Arial" charset="0"/>
-                <a:cs typeface="Arial" charset="0"/>
-              </a:rPr>
-              <a:t> mus. </a:t>
-            </a:r>
-            <a:r>
-              <a:rPr lang="pt-PT" sz="4400" dirty="0" err="1">
-                <a:latin typeface="Arial" charset="0"/>
-                <a:ea typeface="Arial" charset="0"/>
-                <a:cs typeface="Arial" charset="0"/>
-              </a:rPr>
-              <a:t>Donec</a:t>
-            </a:r>
-            <a:r>
-              <a:rPr lang="pt-PT" sz="4400" dirty="0">
-                <a:latin typeface="Arial" charset="0"/>
-                <a:ea typeface="Arial" charset="0"/>
-                <a:cs typeface="Arial" charset="0"/>
-              </a:rPr>
-              <a:t> </a:t>
-            </a:r>
-            <a:r>
-              <a:rPr lang="pt-PT" sz="4400" dirty="0" err="1">
-                <a:latin typeface="Arial" charset="0"/>
-                <a:ea typeface="Arial" charset="0"/>
-                <a:cs typeface="Arial" charset="0"/>
-              </a:rPr>
-              <a:t>quam</a:t>
-            </a:r>
-            <a:r>
-              <a:rPr lang="pt-PT" sz="4400" dirty="0">
-                <a:latin typeface="Arial" charset="0"/>
-                <a:ea typeface="Arial" charset="0"/>
-                <a:cs typeface="Arial" charset="0"/>
-              </a:rPr>
-              <a:t> </a:t>
-            </a:r>
-            <a:r>
-              <a:rPr lang="pt-PT" sz="4400" dirty="0" err="1">
-                <a:latin typeface="Arial" charset="0"/>
-                <a:ea typeface="Arial" charset="0"/>
-                <a:cs typeface="Arial" charset="0"/>
-              </a:rPr>
-              <a:t>felis</a:t>
-            </a:r>
-            <a:r>
-              <a:rPr lang="pt-PT" sz="4400" dirty="0">
-                <a:latin typeface="Arial" charset="0"/>
-                <a:ea typeface="Arial" charset="0"/>
-                <a:cs typeface="Arial" charset="0"/>
-              </a:rPr>
-              <a:t>, </a:t>
-            </a:r>
-            <a:r>
-              <a:rPr lang="pt-PT" sz="4400" dirty="0" err="1">
-                <a:latin typeface="Arial" charset="0"/>
-                <a:ea typeface="Arial" charset="0"/>
-                <a:cs typeface="Arial" charset="0"/>
-              </a:rPr>
-              <a:t>ultricies</a:t>
-            </a:r>
-            <a:r>
-              <a:rPr lang="pt-PT" sz="4400" dirty="0">
-                <a:latin typeface="Arial" charset="0"/>
-                <a:ea typeface="Arial" charset="0"/>
-                <a:cs typeface="Arial" charset="0"/>
-              </a:rPr>
-              <a:t> </a:t>
-            </a:r>
-            <a:r>
-              <a:rPr lang="pt-PT" sz="4400" dirty="0" err="1">
-                <a:latin typeface="Arial" charset="0"/>
-                <a:ea typeface="Arial" charset="0"/>
-                <a:cs typeface="Arial" charset="0"/>
-              </a:rPr>
-              <a:t>nec</a:t>
-            </a:r>
-            <a:r>
-              <a:rPr lang="pt-PT" sz="4400" dirty="0">
-                <a:latin typeface="Arial" charset="0"/>
-                <a:ea typeface="Arial" charset="0"/>
-                <a:cs typeface="Arial" charset="0"/>
-              </a:rPr>
-              <a:t>, </a:t>
-            </a:r>
-            <a:r>
-              <a:rPr lang="pt-PT" sz="4400" dirty="0" err="1">
-                <a:latin typeface="Arial" charset="0"/>
-                <a:ea typeface="Arial" charset="0"/>
-                <a:cs typeface="Arial" charset="0"/>
-              </a:rPr>
-              <a:t>pellentesque</a:t>
-            </a:r>
-            <a:r>
-              <a:rPr lang="pt-PT" sz="4400" dirty="0">
-                <a:latin typeface="Arial" charset="0"/>
-                <a:ea typeface="Arial" charset="0"/>
-                <a:cs typeface="Arial" charset="0"/>
-              </a:rPr>
-              <a:t> eu, </a:t>
-            </a:r>
-            <a:r>
-              <a:rPr lang="pt-PT" sz="4400" dirty="0" err="1">
-                <a:latin typeface="Arial" charset="0"/>
-                <a:ea typeface="Arial" charset="0"/>
-                <a:cs typeface="Arial" charset="0"/>
-              </a:rPr>
-              <a:t>pretium</a:t>
-            </a:r>
-            <a:r>
-              <a:rPr lang="pt-PT" sz="4400" dirty="0">
-                <a:latin typeface="Arial" charset="0"/>
-                <a:ea typeface="Arial" charset="0"/>
-                <a:cs typeface="Arial" charset="0"/>
-              </a:rPr>
-              <a:t> quis, sem. </a:t>
-            </a:r>
-            <a:r>
-              <a:rPr lang="pt-PT" sz="4400" dirty="0" err="1">
-                <a:latin typeface="Arial" charset="0"/>
-                <a:ea typeface="Arial" charset="0"/>
-                <a:cs typeface="Arial" charset="0"/>
-              </a:rPr>
-              <a:t>rhoncus</a:t>
-            </a:r>
-            <a:r>
-              <a:rPr lang="pt-PT" sz="4400" dirty="0">
-                <a:latin typeface="Arial" charset="0"/>
-                <a:ea typeface="Arial" charset="0"/>
-                <a:cs typeface="Arial" charset="0"/>
-              </a:rPr>
-              <a:t>. </a:t>
-            </a:r>
-            <a:r>
-              <a:rPr lang="pt-PT" sz="4400" dirty="0" err="1">
-                <a:latin typeface="Arial" charset="0"/>
-                <a:ea typeface="Arial" charset="0"/>
-                <a:cs typeface="Arial" charset="0"/>
-              </a:rPr>
-              <a:t>Maecenas</a:t>
-            </a:r>
-            <a:r>
-              <a:rPr lang="pt-PT" sz="4400" dirty="0">
-                <a:latin typeface="Arial" charset="0"/>
-                <a:ea typeface="Arial" charset="0"/>
-                <a:cs typeface="Arial" charset="0"/>
-              </a:rPr>
-              <a:t> </a:t>
-            </a:r>
-            <a:r>
-              <a:rPr lang="pt-PT" sz="4400" dirty="0" err="1">
-                <a:latin typeface="Arial" charset="0"/>
-                <a:ea typeface="Arial" charset="0"/>
-                <a:cs typeface="Arial" charset="0"/>
-              </a:rPr>
-              <a:t>tempus</a:t>
-            </a:r>
-            <a:r>
-              <a:rPr lang="pt-PT" sz="4400" dirty="0">
-                <a:latin typeface="Arial" charset="0"/>
-                <a:ea typeface="Arial" charset="0"/>
-                <a:cs typeface="Arial" charset="0"/>
-              </a:rPr>
-              <a:t>, </a:t>
-            </a:r>
-            <a:r>
-              <a:rPr lang="pt-PT" sz="4400" dirty="0" err="1">
-                <a:latin typeface="Arial" charset="0"/>
-                <a:ea typeface="Arial" charset="0"/>
-                <a:cs typeface="Arial" charset="0"/>
-              </a:rPr>
-              <a:t>tellus</a:t>
-            </a:r>
-            <a:r>
-              <a:rPr lang="pt-PT" sz="4400" dirty="0">
-                <a:latin typeface="Arial" charset="0"/>
-                <a:ea typeface="Arial" charset="0"/>
-                <a:cs typeface="Arial" charset="0"/>
-              </a:rPr>
-              <a:t> </a:t>
-            </a:r>
-            <a:r>
-              <a:rPr lang="pt-PT" sz="4400" dirty="0" err="1">
-                <a:latin typeface="Arial" charset="0"/>
-                <a:ea typeface="Arial" charset="0"/>
-                <a:cs typeface="Arial" charset="0"/>
-              </a:rPr>
-              <a:t>eget</a:t>
-            </a:r>
-            <a:r>
-              <a:rPr lang="pt-PT" sz="4400" dirty="0">
-                <a:latin typeface="Arial" charset="0"/>
-                <a:ea typeface="Arial" charset="0"/>
-                <a:cs typeface="Arial" charset="0"/>
-              </a:rPr>
-              <a:t> </a:t>
-            </a:r>
-            <a:r>
-              <a:rPr lang="pt-PT" sz="4400" dirty="0" err="1">
-                <a:latin typeface="Arial" charset="0"/>
-                <a:ea typeface="Arial" charset="0"/>
-                <a:cs typeface="Arial" charset="0"/>
-              </a:rPr>
-              <a:t>condimentum</a:t>
-            </a:r>
-            <a:r>
-              <a:rPr lang="pt-PT" sz="4400" dirty="0">
-                <a:latin typeface="Arial" charset="0"/>
-                <a:ea typeface="Arial" charset="0"/>
-                <a:cs typeface="Arial" charset="0"/>
-              </a:rPr>
-              <a:t> </a:t>
-            </a:r>
-            <a:r>
-              <a:rPr lang="pt-PT" sz="4400" dirty="0" err="1">
-                <a:latin typeface="Arial" charset="0"/>
-                <a:ea typeface="Arial" charset="0"/>
-                <a:cs typeface="Arial" charset="0"/>
-              </a:rPr>
-              <a:t>rhoncus</a:t>
-            </a:r>
-            <a:r>
-              <a:rPr lang="pt-PT" sz="4400" dirty="0">
-                <a:latin typeface="Arial" charset="0"/>
-                <a:ea typeface="Arial" charset="0"/>
-                <a:cs typeface="Arial" charset="0"/>
-              </a:rPr>
-              <a:t>, sem </a:t>
-            </a:r>
-            <a:r>
-              <a:rPr lang="pt-PT" sz="4400" dirty="0" err="1">
-                <a:latin typeface="Arial" charset="0"/>
-                <a:ea typeface="Arial" charset="0"/>
-                <a:cs typeface="Arial" charset="0"/>
-              </a:rPr>
-              <a:t>quam</a:t>
-            </a:r>
-            <a:r>
-              <a:rPr lang="pt-PT" sz="4400" dirty="0">
-                <a:latin typeface="Arial" charset="0"/>
-                <a:ea typeface="Arial" charset="0"/>
-                <a:cs typeface="Arial" charset="0"/>
-              </a:rPr>
-              <a:t> </a:t>
-            </a:r>
-            <a:r>
-              <a:rPr lang="pt-PT" sz="4400" dirty="0" err="1">
-                <a:latin typeface="Arial" charset="0"/>
-                <a:ea typeface="Arial" charset="0"/>
-                <a:cs typeface="Arial" charset="0"/>
-              </a:rPr>
-              <a:t>semper</a:t>
-            </a:r>
-            <a:r>
-              <a:rPr lang="pt-PT" sz="4400" dirty="0">
-                <a:latin typeface="Arial" charset="0"/>
-                <a:ea typeface="Arial" charset="0"/>
-                <a:cs typeface="Arial" charset="0"/>
-              </a:rPr>
-              <a:t> libero, </a:t>
-            </a:r>
-            <a:r>
-              <a:rPr lang="pt-PT" sz="4400" dirty="0" err="1">
-                <a:latin typeface="Arial" charset="0"/>
-                <a:ea typeface="Arial" charset="0"/>
-                <a:cs typeface="Arial" charset="0"/>
-              </a:rPr>
-              <a:t>sit</a:t>
-            </a:r>
-            <a:r>
-              <a:rPr lang="pt-PT" sz="4400" dirty="0">
-                <a:latin typeface="Arial" charset="0"/>
-                <a:ea typeface="Arial" charset="0"/>
-                <a:cs typeface="Arial" charset="0"/>
-              </a:rPr>
-              <a:t> </a:t>
-            </a:r>
-            <a:r>
-              <a:rPr lang="pt-PT" sz="4400" dirty="0" err="1">
-                <a:latin typeface="Arial" charset="0"/>
-                <a:ea typeface="Arial" charset="0"/>
-                <a:cs typeface="Arial" charset="0"/>
-              </a:rPr>
-              <a:t>amet</a:t>
-            </a:r>
-            <a:r>
-              <a:rPr lang="pt-PT" sz="4400" dirty="0">
-                <a:latin typeface="Arial" charset="0"/>
-                <a:ea typeface="Arial" charset="0"/>
-                <a:cs typeface="Arial" charset="0"/>
-              </a:rPr>
-              <a:t> </a:t>
-            </a:r>
-            <a:r>
-              <a:rPr lang="pt-PT" sz="4400" dirty="0" err="1">
-                <a:latin typeface="Arial" charset="0"/>
-                <a:ea typeface="Arial" charset="0"/>
-                <a:cs typeface="Arial" charset="0"/>
-              </a:rPr>
-              <a:t>adipiscing</a:t>
-            </a:r>
-            <a:r>
-              <a:rPr lang="pt-PT" sz="4400" dirty="0">
-                <a:latin typeface="Arial" charset="0"/>
-                <a:ea typeface="Arial" charset="0"/>
-                <a:cs typeface="Arial" charset="0"/>
-              </a:rPr>
-              <a:t> sem </a:t>
-            </a:r>
-            <a:r>
-              <a:rPr lang="pt-PT" sz="4400" dirty="0" err="1">
-                <a:latin typeface="Arial" charset="0"/>
-                <a:ea typeface="Arial" charset="0"/>
-                <a:cs typeface="Arial" charset="0"/>
-              </a:rPr>
-              <a:t>neque</a:t>
-            </a:r>
-            <a:r>
-              <a:rPr lang="pt-PT" sz="4400" dirty="0">
-                <a:latin typeface="Arial" charset="0"/>
-                <a:ea typeface="Arial" charset="0"/>
-                <a:cs typeface="Arial" charset="0"/>
-              </a:rPr>
-              <a:t> </a:t>
-            </a:r>
-            <a:r>
-              <a:rPr lang="pt-PT" sz="4400" dirty="0" err="1">
-                <a:latin typeface="Arial" charset="0"/>
-                <a:ea typeface="Arial" charset="0"/>
-                <a:cs typeface="Arial" charset="0"/>
-              </a:rPr>
-              <a:t>sed</a:t>
-            </a:r>
-            <a:r>
-              <a:rPr lang="pt-PT" sz="4400" dirty="0">
-                <a:latin typeface="Arial" charset="0"/>
-                <a:ea typeface="Arial" charset="0"/>
-                <a:cs typeface="Arial" charset="0"/>
-              </a:rPr>
-              <a:t> </a:t>
-            </a:r>
-            <a:r>
-              <a:rPr lang="pt-PT" sz="4400" dirty="0" err="1">
-                <a:latin typeface="Arial" charset="0"/>
-                <a:ea typeface="Arial" charset="0"/>
-                <a:cs typeface="Arial" charset="0"/>
-              </a:rPr>
-              <a:t>ipsum</a:t>
-            </a:r>
-            <a:r>
-              <a:rPr lang="pt-PT" sz="4400" dirty="0">
-                <a:latin typeface="Arial" charset="0"/>
-                <a:ea typeface="Arial" charset="0"/>
-                <a:cs typeface="Arial" charset="0"/>
-              </a:rPr>
-              <a:t>. </a:t>
-            </a:r>
-            <a:r>
-              <a:rPr lang="pt-PT" sz="4400" dirty="0" err="1">
-                <a:latin typeface="Arial" charset="0"/>
-                <a:ea typeface="Arial" charset="0"/>
-                <a:cs typeface="Arial" charset="0"/>
-              </a:rPr>
-              <a:t>Nam</a:t>
-            </a:r>
-            <a:r>
-              <a:rPr lang="pt-PT" sz="4400" dirty="0">
-                <a:latin typeface="Arial" charset="0"/>
-                <a:ea typeface="Arial" charset="0"/>
-                <a:cs typeface="Arial" charset="0"/>
-              </a:rPr>
-              <a:t> </a:t>
-            </a:r>
-            <a:r>
-              <a:rPr lang="pt-PT" sz="4400" dirty="0" err="1">
-                <a:latin typeface="Arial" charset="0"/>
-                <a:ea typeface="Arial" charset="0"/>
-                <a:cs typeface="Arial" charset="0"/>
-              </a:rPr>
-              <a:t>quam</a:t>
-            </a:r>
-            <a:r>
-              <a:rPr lang="pt-PT" sz="4400" dirty="0">
-                <a:latin typeface="Arial" charset="0"/>
-                <a:ea typeface="Arial" charset="0"/>
-                <a:cs typeface="Arial" charset="0"/>
-              </a:rPr>
-              <a:t> </a:t>
-            </a:r>
-            <a:r>
-              <a:rPr lang="pt-PT" sz="4400" dirty="0" err="1">
-                <a:latin typeface="Arial" charset="0"/>
-                <a:ea typeface="Arial" charset="0"/>
-                <a:cs typeface="Arial" charset="0"/>
-              </a:rPr>
-              <a:t>nunc</a:t>
-            </a:r>
-            <a:r>
-              <a:rPr lang="pt-PT" sz="4400" dirty="0">
-                <a:latin typeface="Arial" charset="0"/>
-                <a:ea typeface="Arial" charset="0"/>
-                <a:cs typeface="Arial" charset="0"/>
-              </a:rPr>
-              <a:t>, </a:t>
-            </a:r>
-            <a:r>
-              <a:rPr lang="pt-PT" sz="4400" dirty="0" err="1">
-                <a:latin typeface="Arial" charset="0"/>
-                <a:ea typeface="Arial" charset="0"/>
-                <a:cs typeface="Arial" charset="0"/>
-              </a:rPr>
-              <a:t>blandit</a:t>
-            </a:r>
-            <a:r>
-              <a:rPr lang="pt-PT" sz="4400" dirty="0">
-                <a:latin typeface="Arial" charset="0"/>
-                <a:ea typeface="Arial" charset="0"/>
-                <a:cs typeface="Arial" charset="0"/>
-              </a:rPr>
-              <a:t> </a:t>
-            </a:r>
-            <a:r>
-              <a:rPr lang="pt-PT" sz="4400" dirty="0" err="1">
-                <a:latin typeface="Arial" charset="0"/>
-                <a:ea typeface="Arial" charset="0"/>
-                <a:cs typeface="Arial" charset="0"/>
-              </a:rPr>
-              <a:t>vel</a:t>
-            </a:r>
-            <a:r>
-              <a:rPr lang="pt-PT" sz="4400" dirty="0">
-                <a:latin typeface="Arial" charset="0"/>
-                <a:ea typeface="Arial" charset="0"/>
-                <a:cs typeface="Arial" charset="0"/>
-              </a:rPr>
-              <a:t>, </a:t>
-            </a:r>
-            <a:r>
-              <a:rPr lang="pt-PT" sz="4400" dirty="0" err="1">
-                <a:latin typeface="Arial" charset="0"/>
-                <a:ea typeface="Arial" charset="0"/>
-                <a:cs typeface="Arial" charset="0"/>
-              </a:rPr>
-              <a:t>luctus</a:t>
-            </a:r>
-            <a:r>
-              <a:rPr lang="pt-PT" sz="4400" dirty="0">
-                <a:latin typeface="Arial" charset="0"/>
-                <a:ea typeface="Arial" charset="0"/>
-                <a:cs typeface="Arial" charset="0"/>
-              </a:rPr>
-              <a:t> pulvinar, </a:t>
-            </a:r>
-            <a:r>
-              <a:rPr lang="pt-PT" sz="4400" dirty="0" err="1">
-                <a:latin typeface="Arial" charset="0"/>
-                <a:ea typeface="Arial" charset="0"/>
-                <a:cs typeface="Arial" charset="0"/>
-              </a:rPr>
-              <a:t>hendrerit</a:t>
-            </a:r>
-            <a:r>
-              <a:rPr lang="pt-PT" sz="4400" dirty="0">
-                <a:latin typeface="Arial" charset="0"/>
-                <a:ea typeface="Arial" charset="0"/>
-                <a:cs typeface="Arial" charset="0"/>
-              </a:rPr>
-              <a:t> id, </a:t>
-            </a:r>
-            <a:r>
-              <a:rPr lang="pt-PT" sz="4400" dirty="0" err="1">
-                <a:latin typeface="Arial" charset="0"/>
-                <a:ea typeface="Arial" charset="0"/>
-                <a:cs typeface="Arial" charset="0"/>
-              </a:rPr>
-              <a:t>lorem</a:t>
-            </a:r>
-            <a:r>
-              <a:rPr lang="pt-PT" sz="4400" dirty="0">
-                <a:latin typeface="Arial" charset="0"/>
-                <a:ea typeface="Arial" charset="0"/>
-                <a:cs typeface="Arial" charset="0"/>
-              </a:rPr>
-              <a:t>. </a:t>
-            </a:r>
-            <a:r>
-              <a:rPr lang="pt-PT" sz="4400" dirty="0" err="1">
-                <a:latin typeface="Arial" charset="0"/>
-                <a:ea typeface="Arial" charset="0"/>
-                <a:cs typeface="Arial" charset="0"/>
-              </a:rPr>
-              <a:t>Maecenas</a:t>
-            </a:r>
-            <a:r>
-              <a:rPr lang="pt-PT" sz="4400" dirty="0">
-                <a:latin typeface="Arial" charset="0"/>
-                <a:ea typeface="Arial" charset="0"/>
-                <a:cs typeface="Arial" charset="0"/>
-              </a:rPr>
-              <a:t> </a:t>
-            </a:r>
-            <a:r>
-              <a:rPr lang="pt-PT" sz="4400" dirty="0" err="1">
-                <a:latin typeface="Arial" charset="0"/>
-                <a:ea typeface="Arial" charset="0"/>
-                <a:cs typeface="Arial" charset="0"/>
-              </a:rPr>
-              <a:t>nec</a:t>
-            </a:r>
-            <a:r>
-              <a:rPr lang="pt-PT" sz="4400" dirty="0">
-                <a:latin typeface="Arial" charset="0"/>
-                <a:ea typeface="Arial" charset="0"/>
-                <a:cs typeface="Arial" charset="0"/>
-              </a:rPr>
-              <a:t> odio </a:t>
-            </a:r>
-            <a:r>
-              <a:rPr lang="pt-PT" sz="4400" dirty="0" err="1">
-                <a:latin typeface="Arial" charset="0"/>
-                <a:ea typeface="Arial" charset="0"/>
-                <a:cs typeface="Arial" charset="0"/>
-              </a:rPr>
-              <a:t>et</a:t>
-            </a:r>
-            <a:r>
-              <a:rPr lang="pt-PT" sz="4400" dirty="0">
-                <a:latin typeface="Arial" charset="0"/>
-                <a:ea typeface="Arial" charset="0"/>
-                <a:cs typeface="Arial" charset="0"/>
-              </a:rPr>
-              <a:t> ante </a:t>
-            </a:r>
-            <a:r>
-              <a:rPr lang="pt-PT" sz="4400" dirty="0" err="1">
-                <a:latin typeface="Arial" charset="0"/>
-                <a:ea typeface="Arial" charset="0"/>
-                <a:cs typeface="Arial" charset="0"/>
-              </a:rPr>
-              <a:t>tincidunt</a:t>
-            </a:r>
-            <a:r>
-              <a:rPr lang="pt-PT" sz="4400" dirty="0">
-                <a:latin typeface="Arial" charset="0"/>
-                <a:ea typeface="Arial" charset="0"/>
-                <a:cs typeface="Arial" charset="0"/>
-              </a:rPr>
-              <a:t> </a:t>
-            </a:r>
-            <a:r>
-              <a:rPr lang="pt-PT" sz="4400" dirty="0" err="1">
-                <a:latin typeface="Arial" charset="0"/>
-                <a:ea typeface="Arial" charset="0"/>
-                <a:cs typeface="Arial" charset="0"/>
-              </a:rPr>
-              <a:t>tempus</a:t>
-            </a:r>
-            <a:r>
-              <a:rPr lang="pt-PT" sz="4400" dirty="0">
-                <a:latin typeface="Arial" charset="0"/>
-                <a:ea typeface="Arial" charset="0"/>
-                <a:cs typeface="Arial" charset="0"/>
-              </a:rPr>
-              <a:t>. </a:t>
-            </a:r>
-            <a:r>
-              <a:rPr lang="pt-PT" sz="4400" dirty="0" err="1">
-                <a:latin typeface="Arial" charset="0"/>
-                <a:ea typeface="Arial" charset="0"/>
-                <a:cs typeface="Arial" charset="0"/>
-              </a:rPr>
-              <a:t>Donec</a:t>
-            </a:r>
-            <a:r>
-              <a:rPr lang="pt-PT" sz="4400" dirty="0">
-                <a:latin typeface="Arial" charset="0"/>
-                <a:ea typeface="Arial" charset="0"/>
-                <a:cs typeface="Arial" charset="0"/>
-              </a:rPr>
-              <a:t> vitae </a:t>
-            </a:r>
-            <a:r>
-              <a:rPr lang="pt-PT" sz="4400" dirty="0" err="1">
-                <a:latin typeface="Arial" charset="0"/>
-                <a:ea typeface="Arial" charset="0"/>
-                <a:cs typeface="Arial" charset="0"/>
-              </a:rPr>
-              <a:t>sapien</a:t>
-            </a:r>
-            <a:r>
-              <a:rPr lang="pt-PT" sz="4400" dirty="0">
-                <a:latin typeface="Arial" charset="0"/>
-                <a:ea typeface="Arial" charset="0"/>
-                <a:cs typeface="Arial" charset="0"/>
-              </a:rPr>
-              <a:t> ut </a:t>
-            </a:r>
-            <a:r>
-              <a:rPr lang="pt-PT" sz="4400" dirty="0" err="1">
-                <a:latin typeface="Arial" charset="0"/>
-                <a:ea typeface="Arial" charset="0"/>
-                <a:cs typeface="Arial" charset="0"/>
-              </a:rPr>
-              <a:t>libeucibus</a:t>
-            </a:r>
-            <a:r>
-              <a:rPr lang="pt-PT" sz="4400" dirty="0">
-                <a:latin typeface="Arial" charset="0"/>
-                <a:ea typeface="Arial" charset="0"/>
-                <a:cs typeface="Arial" charset="0"/>
-              </a:rPr>
-              <a:t>. </a:t>
-            </a:r>
-            <a:r>
-              <a:rPr lang="pt-PT" sz="4400" dirty="0" err="1">
-                <a:latin typeface="Arial" charset="0"/>
-                <a:ea typeface="Arial" charset="0"/>
-                <a:cs typeface="Arial" charset="0"/>
-              </a:rPr>
-              <a:t>Nullam</a:t>
-            </a:r>
-            <a:r>
-              <a:rPr lang="pt-PT" sz="4400" dirty="0">
-                <a:latin typeface="Arial" charset="0"/>
-                <a:ea typeface="Arial" charset="0"/>
-                <a:cs typeface="Arial" charset="0"/>
-              </a:rPr>
-              <a:t> quis ante. </a:t>
-            </a:r>
-            <a:r>
-              <a:rPr lang="pt-PT" sz="4400" dirty="0" err="1">
-                <a:latin typeface="Arial" charset="0"/>
-                <a:ea typeface="Arial" charset="0"/>
-                <a:cs typeface="Arial" charset="0"/>
-              </a:rPr>
-              <a:t>Etiam</a:t>
-            </a:r>
-            <a:r>
-              <a:rPr lang="pt-PT" sz="4400" dirty="0">
-                <a:latin typeface="Arial" charset="0"/>
-                <a:ea typeface="Arial" charset="0"/>
-                <a:cs typeface="Arial" charset="0"/>
-              </a:rPr>
-              <a:t> </a:t>
-            </a:r>
-            <a:r>
-              <a:rPr lang="pt-PT" sz="4400" dirty="0" err="1">
-                <a:latin typeface="Arial" charset="0"/>
-                <a:ea typeface="Arial" charset="0"/>
-                <a:cs typeface="Arial" charset="0"/>
-              </a:rPr>
-              <a:t>sit</a:t>
-            </a:r>
-            <a:r>
-              <a:rPr lang="pt-PT" sz="4400" dirty="0">
-                <a:latin typeface="Arial" charset="0"/>
-                <a:ea typeface="Arial" charset="0"/>
-                <a:cs typeface="Arial" charset="0"/>
-              </a:rPr>
-              <a:t> </a:t>
-            </a:r>
-            <a:r>
-              <a:rPr lang="pt-PT" sz="4400" dirty="0" err="1">
-                <a:latin typeface="Arial" charset="0"/>
-                <a:ea typeface="Arial" charset="0"/>
-                <a:cs typeface="Arial" charset="0"/>
-              </a:rPr>
-              <a:t>amet</a:t>
-            </a:r>
-            <a:r>
-              <a:rPr lang="pt-PT" sz="4400" dirty="0">
-                <a:latin typeface="Arial" charset="0"/>
-                <a:ea typeface="Arial" charset="0"/>
-                <a:cs typeface="Arial" charset="0"/>
-              </a:rPr>
-              <a:t> </a:t>
-            </a:r>
-            <a:r>
-              <a:rPr lang="pt-PT" sz="4400" dirty="0" err="1">
-                <a:latin typeface="Arial" charset="0"/>
-                <a:ea typeface="Arial" charset="0"/>
-                <a:cs typeface="Arial" charset="0"/>
-              </a:rPr>
-              <a:t>orci</a:t>
-            </a:r>
-            <a:r>
-              <a:rPr lang="pt-PT" sz="4400" dirty="0">
-                <a:latin typeface="Arial" charset="0"/>
-                <a:ea typeface="Arial" charset="0"/>
-                <a:cs typeface="Arial" charset="0"/>
-              </a:rPr>
-              <a:t> </a:t>
-            </a:r>
-            <a:r>
-              <a:rPr lang="pt-PT" sz="4400" dirty="0" err="1">
-                <a:latin typeface="Arial" charset="0"/>
-                <a:ea typeface="Arial" charset="0"/>
-                <a:cs typeface="Arial" charset="0"/>
-              </a:rPr>
-              <a:t>eget</a:t>
-            </a:r>
-            <a:r>
-              <a:rPr lang="pt-PT" sz="4400" dirty="0">
-                <a:latin typeface="Arial" charset="0"/>
-                <a:ea typeface="Arial" charset="0"/>
-                <a:cs typeface="Arial" charset="0"/>
-              </a:rPr>
-              <a:t> eros </a:t>
-            </a:r>
-            <a:r>
-              <a:rPr lang="pt-PT" sz="4400" dirty="0" err="1">
-                <a:latin typeface="Arial" charset="0"/>
-                <a:ea typeface="Arial" charset="0"/>
-                <a:cs typeface="Arial" charset="0"/>
-              </a:rPr>
-              <a:t>faucibus</a:t>
-            </a:r>
-            <a:r>
-              <a:rPr lang="pt-PT" sz="4400" dirty="0">
-                <a:latin typeface="Arial" charset="0"/>
-                <a:ea typeface="Arial" charset="0"/>
-                <a:cs typeface="Arial" charset="0"/>
-              </a:rPr>
-              <a:t> </a:t>
-            </a:r>
-            <a:r>
-              <a:rPr lang="pt-PT" sz="4400" dirty="0" err="1">
-                <a:latin typeface="Arial" charset="0"/>
-                <a:ea typeface="Arial" charset="0"/>
-                <a:cs typeface="Arial" charset="0"/>
-              </a:rPr>
-              <a:t>tincidunt</a:t>
-            </a:r>
-            <a:r>
-              <a:rPr lang="pt-PT" sz="4400" dirty="0">
-                <a:latin typeface="Arial" charset="0"/>
-                <a:ea typeface="Arial" charset="0"/>
-                <a:cs typeface="Arial" charset="0"/>
-              </a:rPr>
-              <a:t>.</a:t>
-            </a:r>
-          </a:p>
-        </p:txBody>
-      </p:sp>
-      <p:sp>
-        <p:nvSpPr>
-          <p:cNvPr id="23" name="CaixaDeTexto 22"/>
-          <p:cNvSpPr txBox="1"/>
-          <p:nvPr/>
-        </p:nvSpPr>
-        <p:spPr>
-          <a:xfrm>
-            <a:off x="21457129" y="23027018"/>
-            <a:ext cx="5607051" cy="553998"/>
-          </a:xfrm>
-          <a:prstGeom prst="rect">
-            <a:avLst/>
-          </a:prstGeom>
-          <a:noFill/>
-        </p:spPr>
-        <p:txBody>
-          <a:bodyPr wrap="square" rtlCol="0">
-            <a:spAutoFit/>
-          </a:bodyPr>
-          <a:lstStyle/>
-          <a:p>
+            <a:pPr algn="ctr"/>
             <a:r>
               <a:rPr lang="pt-PT" sz="3000" dirty="0">
                 <a:latin typeface="Arial" charset="0"/>
                 <a:ea typeface="Arial" charset="0"/>
                 <a:cs typeface="Arial" charset="0"/>
               </a:rPr>
-              <a:t>Eu sou uma legenda / figura</a:t>
-            </a:r>
-          </a:p>
-        </p:txBody>
-      </p:sp>
-      <p:sp>
-        <p:nvSpPr>
-          <p:cNvPr id="24" name="Retângulo 23"/>
-          <p:cNvSpPr/>
-          <p:nvPr/>
-        </p:nvSpPr>
-        <p:spPr>
-          <a:xfrm>
-            <a:off x="21584487" y="17655542"/>
-            <a:ext cx="9555912" cy="5119695"/>
-          </a:xfrm>
-          <a:prstGeom prst="rect">
-            <a:avLst/>
-          </a:prstGeom>
-        </p:spPr>
-        <p:style>
-          <a:lnRef idx="1">
-            <a:schemeClr val="accent1"/>
-          </a:lnRef>
-          <a:fillRef idx="3">
-            <a:schemeClr val="accent1"/>
-          </a:fillRef>
-          <a:effectRef idx="2">
-            <a:schemeClr val="accent1"/>
-          </a:effectRef>
-          <a:fontRef idx="minor">
-            <a:schemeClr val="lt1"/>
-          </a:fontRef>
-        </p:style>
-        <p:txBody>
-          <a:bodyPr rtlCol="0" anchor="ctr"/>
-          <a:lstStyle/>
-          <a:p>
-            <a:pPr algn="ctr"/>
-            <a:r>
-              <a:rPr lang="pt-PT"/>
-              <a:t>IMAGEM/PRINT</a:t>
-            </a:r>
-            <a:endParaRPr lang="pt-PT" dirty="0"/>
-          </a:p>
-        </p:txBody>
-      </p:sp>
-      <p:sp>
-        <p:nvSpPr>
-          <p:cNvPr id="27" name="Retângulo 26"/>
-          <p:cNvSpPr/>
-          <p:nvPr/>
-        </p:nvSpPr>
-        <p:spPr>
-          <a:xfrm>
-            <a:off x="795977" y="24665240"/>
-            <a:ext cx="9510549" cy="4773359"/>
-          </a:xfrm>
-          <a:prstGeom prst="rect">
-            <a:avLst/>
-          </a:prstGeom>
-        </p:spPr>
-        <p:style>
-          <a:lnRef idx="1">
-            <a:schemeClr val="accent1"/>
-          </a:lnRef>
-          <a:fillRef idx="3">
-            <a:schemeClr val="accent1"/>
-          </a:fillRef>
-          <a:effectRef idx="2">
-            <a:schemeClr val="accent1"/>
-          </a:effectRef>
-          <a:fontRef idx="minor">
-            <a:schemeClr val="lt1"/>
-          </a:fontRef>
-        </p:style>
-        <p:txBody>
-          <a:bodyPr rtlCol="0" anchor="ctr"/>
-          <a:lstStyle/>
-          <a:p>
-            <a:pPr algn="ctr"/>
-            <a:r>
-              <a:rPr lang="pt-PT"/>
-              <a:t>IMAGEM/PRINT</a:t>
-            </a:r>
-            <a:endParaRPr lang="pt-PT" dirty="0"/>
-          </a:p>
-        </p:txBody>
-      </p:sp>
-      <p:sp>
-        <p:nvSpPr>
-          <p:cNvPr id="28" name="Retângulo 27"/>
-          <p:cNvSpPr/>
-          <p:nvPr/>
-        </p:nvSpPr>
-        <p:spPr>
-          <a:xfrm>
-            <a:off x="11145365" y="24665239"/>
-            <a:ext cx="9510549" cy="4773359"/>
-          </a:xfrm>
-          <a:prstGeom prst="rect">
-            <a:avLst/>
-          </a:prstGeom>
-        </p:spPr>
-        <p:style>
-          <a:lnRef idx="1">
-            <a:schemeClr val="accent1"/>
-          </a:lnRef>
-          <a:fillRef idx="3">
-            <a:schemeClr val="accent1"/>
-          </a:fillRef>
-          <a:effectRef idx="2">
-            <a:schemeClr val="accent1"/>
-          </a:effectRef>
-          <a:fontRef idx="minor">
-            <a:schemeClr val="lt1"/>
-          </a:fontRef>
-        </p:style>
-        <p:txBody>
-          <a:bodyPr rtlCol="0" anchor="ctr"/>
-          <a:lstStyle/>
-          <a:p>
-            <a:pPr algn="ctr"/>
-            <a:r>
-              <a:rPr lang="pt-PT"/>
-              <a:t>IMAGEM/PRINT</a:t>
-            </a:r>
-            <a:endParaRPr lang="pt-PT" dirty="0"/>
-          </a:p>
-        </p:txBody>
-      </p:sp>
-      <p:sp>
-        <p:nvSpPr>
-          <p:cNvPr id="29" name="Retângulo 28"/>
-          <p:cNvSpPr/>
-          <p:nvPr/>
-        </p:nvSpPr>
-        <p:spPr>
-          <a:xfrm>
-            <a:off x="21604450" y="24665239"/>
-            <a:ext cx="9510549" cy="4773359"/>
-          </a:xfrm>
-          <a:prstGeom prst="rect">
-            <a:avLst/>
-          </a:prstGeom>
-        </p:spPr>
-        <p:style>
-          <a:lnRef idx="1">
-            <a:schemeClr val="accent1"/>
-          </a:lnRef>
-          <a:fillRef idx="3">
-            <a:schemeClr val="accent1"/>
-          </a:fillRef>
-          <a:effectRef idx="2">
-            <a:schemeClr val="accent1"/>
-          </a:effectRef>
-          <a:fontRef idx="minor">
-            <a:schemeClr val="lt1"/>
-          </a:fontRef>
-        </p:style>
-        <p:txBody>
-          <a:bodyPr rtlCol="0" anchor="ctr"/>
-          <a:lstStyle/>
-          <a:p>
-            <a:pPr algn="ctr"/>
-            <a:r>
-              <a:rPr lang="pt-PT"/>
-              <a:t>IMAGEM/PRINT</a:t>
-            </a:r>
-            <a:endParaRPr lang="pt-PT" dirty="0"/>
-          </a:p>
-        </p:txBody>
-      </p:sp>
-      <p:sp>
-        <p:nvSpPr>
-          <p:cNvPr id="30" name="CaixaDeTexto 29"/>
-          <p:cNvSpPr txBox="1"/>
-          <p:nvPr/>
-        </p:nvSpPr>
-        <p:spPr>
-          <a:xfrm>
-            <a:off x="795977" y="29554905"/>
-            <a:ext cx="5607051" cy="553998"/>
-          </a:xfrm>
-          <a:prstGeom prst="rect">
-            <a:avLst/>
-          </a:prstGeom>
-          <a:noFill/>
-        </p:spPr>
-        <p:txBody>
-          <a:bodyPr wrap="square" rtlCol="0">
-            <a:spAutoFit/>
-          </a:bodyPr>
-          <a:lstStyle/>
-          <a:p>
+              <a:t>Data </a:t>
+            </a:r>
+            <a:r>
+              <a:rPr lang="pt-PT" sz="3000" dirty="0" err="1">
+                <a:latin typeface="Arial" charset="0"/>
+                <a:ea typeface="Arial" charset="0"/>
+                <a:cs typeface="Arial" charset="0"/>
+              </a:rPr>
+              <a:t>listing</a:t>
+            </a:r>
             <a:r>
               <a:rPr lang="pt-PT" sz="3000" dirty="0">
                 <a:latin typeface="Arial" charset="0"/>
                 <a:ea typeface="Arial" charset="0"/>
                 <a:cs typeface="Arial" charset="0"/>
               </a:rPr>
-              <a:t>Eu sou uma legenda / figura</a:t>
-            </a:r>
-          </a:p>
-        </p:txBody>
-      </p:sp>
-      <p:sp>
-        <p:nvSpPr>
-          <p:cNvPr id="31" name="CaixaDeTexto 30"/>
-          <p:cNvSpPr txBox="1"/>
-          <p:nvPr/>
-        </p:nvSpPr>
-        <p:spPr>
-          <a:xfrm>
-            <a:off x="11094565" y="29554905"/>
-            <a:ext cx="5607051" cy="553998"/>
-          </a:xfrm>
-          <a:prstGeom prst="rect">
-            <a:avLst/>
-          </a:prstGeom>
-          <a:noFill/>
-        </p:spPr>
-        <p:txBody>
-          <a:bodyPr wrap="square" rtlCol="0">
-            <a:spAutoFit/>
-          </a:bodyPr>
-          <a:lstStyle/>
-          <a:p>
-            <a:r>
-              <a:rPr lang="pt-PT" sz="3000" dirty="0">
+              <a:t> </a:t>
+            </a:r>
+            <a:r>
+              <a:rPr lang="pt-PT" sz="3000" dirty="0" err="1">
                 <a:latin typeface="Arial" charset="0"/>
                 <a:ea typeface="Arial" charset="0"/>
                 <a:cs typeface="Arial" charset="0"/>
               </a:rPr>
-              <a:t>Eu sou uma legenda / figura</a:t>
-            </a:r>
-          </a:p>
-        </p:txBody>
-      </p:sp>
-      <p:sp>
-        <p:nvSpPr>
-          <p:cNvPr id="32" name="CaixaDeTexto 31"/>
-          <p:cNvSpPr txBox="1"/>
-          <p:nvPr/>
-        </p:nvSpPr>
-        <p:spPr>
-          <a:xfrm>
-            <a:off x="21584487" y="29554905"/>
-            <a:ext cx="5607051" cy="553998"/>
-          </a:xfrm>
-          <a:prstGeom prst="rect">
-            <a:avLst/>
-          </a:prstGeom>
-          <a:noFill/>
-        </p:spPr>
-        <p:txBody>
-          <a:bodyPr wrap="square" rtlCol="0">
-            <a:spAutoFit/>
-          </a:bodyPr>
-          <a:lstStyle/>
-          <a:p>
-            <a:r>
-              <a:rPr lang="pt-PT" sz="3000" dirty="0">
-                <a:latin typeface="Arial" charset="0"/>
-                <a:ea typeface="Arial" charset="0"/>
-                <a:cs typeface="Arial" charset="0"/>
-              </a:rPr>
-              <a:t>Eu sou uma legenda / figura</a:t>
-            </a:r>
+              <a:t>example</a:t>
+            </a:r>
+            <a:endParaRPr lang="pt-PT" sz="3000" dirty="0">
+              <a:latin typeface="Arial" charset="0"/>
+              <a:ea typeface="Arial" charset="0"/>
+              <a:cs typeface="Arial" charset="0"/>
+            </a:endParaRPr>
           </a:p>
         </p:txBody>
       </p:sp>
@@ -6289,8 +4505,8 @@
         </p:nvSpPr>
         <p:spPr>
           <a:xfrm>
-            <a:off x="264939" y="31197927"/>
-            <a:ext cx="12276177" cy="920115"/>
+            <a:off x="275796" y="31830558"/>
+            <a:ext cx="12886324" cy="920115"/>
           </a:xfrm>
           <a:prstGeom prst="rect">
             <a:avLst/>
@@ -6319,34 +4535,13 @@
           <a:p>
             <a:pPr algn="l"/>
             <a:r>
-              <a:rPr lang="en-US" sz="5400" b="1" dirty="0" err="1">
-                <a:latin typeface="Arial" charset="0"/>
-                <a:ea typeface="Arial" charset="0"/>
-                <a:cs typeface="Arial" charset="0"/>
-              </a:rPr>
-              <a:t>Discussão</a:t>
-            </a:r>
-            <a:r>
               <a:rPr lang="en-US" sz="5400" b="1" dirty="0">
                 <a:latin typeface="Arial" charset="0"/>
                 <a:ea typeface="Arial" charset="0"/>
                 <a:cs typeface="Arial" charset="0"/>
               </a:rPr>
-              <a:t> / </a:t>
-            </a:r>
-            <a:r>
-              <a:rPr lang="en-US" sz="5400" b="1" dirty="0" err="1">
-                <a:latin typeface="Arial" charset="0"/>
-                <a:ea typeface="Arial" charset="0"/>
-                <a:cs typeface="Arial" charset="0"/>
-              </a:rPr>
-              <a:t>Conclusão</a:t>
-            </a:r>
-            <a:endParaRPr lang="en-US" sz="5400" b="1" dirty="0">
-              <a:latin typeface="Arial" charset="0"/>
-              <a:ea typeface="Arial" charset="0"/>
-              <a:cs typeface="Arial" charset="0"/>
-            </a:endParaRPr>
+              <a:t>Discussion / Conclusion</a:t>
+            </a:r>
           </a:p>
         </p:txBody>
       </p:sp>
@@ -6358,8 +4553,8 @@
         </p:nvSpPr>
         <p:spPr>
           <a:xfrm>
-            <a:off x="632460" y="32906696"/>
-            <a:ext cx="14720571" cy="4154984"/>
+            <a:off x="643317" y="32922547"/>
+            <a:ext cx="17332028" cy="6863417"/>
           </a:xfrm>
           <a:prstGeom prst="rect">
             <a:avLst/>
@@ -6374,604 +4569,60 @@
           <a:p>
             <a:pPr algn="just"/>
             <a:r>
-              <a:rPr lang="pt-PT" sz="4400" dirty="0" err="1">
+              <a:rPr lang="en-US" sz="4400" dirty="0">
                 <a:latin typeface="Arial" charset="0"/>
                 <a:ea typeface="Arial" charset="0"/>
                 <a:cs typeface="Arial" charset="0"/>
               </a:rPr>
-              <a:t>Lorem</a:t>
-            </a:r>
-            <a:r>
-              <a:rPr lang="pt-PT" sz="4400" dirty="0">
+              <a:t>	The development of the </a:t>
+            </a:r>
+            <a:r>
+              <a:rPr lang="en-US" sz="4400" dirty="0" err="1">
                 <a:latin typeface="Arial" charset="0"/>
                 <a:ea typeface="Arial" charset="0"/>
                 <a:cs typeface="Arial" charset="0"/>
               </a:rPr>
-              <a:t> </a:t>
-            </a:r>
-            <a:r>
-              <a:rPr lang="pt-PT" sz="4400" dirty="0" err="1">
+              <a:t>GESImoveis</a:t>
+            </a:r>
+            <a:r>
+              <a:rPr lang="en-US" sz="4400" dirty="0">
                 <a:latin typeface="Arial" charset="0"/>
                 <a:ea typeface="Arial" charset="0"/>
                 <a:cs typeface="Arial" charset="0"/>
               </a:rPr>
-              <a:t>ipsum</a:t>
-            </a:r>
-            <a:r>
-              <a:rPr lang="pt-PT" sz="4400" dirty="0">
+              <a:t> platform significantly contributed to our understanding and practical application of the Laravel framework. By integrating property management with </a:t>
+            </a:r>
+            <a:r>
+              <a:rPr lang="en-US" sz="4400" dirty="0" err="1">
                 <a:latin typeface="Arial" charset="0"/>
                 <a:ea typeface="Arial" charset="0"/>
                 <a:cs typeface="Arial" charset="0"/>
               </a:rPr>
-              <a:t> </a:t>
-            </a:r>
-            <a:r>
-              <a:rPr lang="pt-PT" sz="4400" dirty="0" err="1">
+              <a:t>GESFaturacao</a:t>
+            </a:r>
+            <a:r>
+              <a:rPr lang="en-US" sz="4400" dirty="0">
                 <a:latin typeface="Arial" charset="0"/>
                 <a:ea typeface="Arial" charset="0"/>
                 <a:cs typeface="Arial" charset="0"/>
               </a:rPr>
-              <a:t>dolor</a:t>
-            </a:r>
-            <a:r>
-              <a:rPr lang="pt-PT" sz="4400" dirty="0">
+              <a:t>, we provided a streamlined solution for property owners and managers. This project not only enhanced our technical skills but also provided valuable experience in developing real-world applications, preparing us for future professional challenges. Moreover, the seamless integration with </a:t>
+            </a:r>
+            <a:r>
+              <a:rPr lang="en-US" sz="4400" dirty="0" err="1">
                 <a:latin typeface="Arial" charset="0"/>
                 <a:ea typeface="Arial" charset="0"/>
                 <a:cs typeface="Arial" charset="0"/>
               </a:rPr>
-              <a:t> </a:t>
-            </a:r>
-            <a:r>
-              <a:rPr lang="pt-PT" sz="4400" dirty="0" err="1">
+              <a:t>GESFaturacao</a:t>
+            </a:r>
+            <a:r>
+              <a:rPr lang="en-US" sz="4400" dirty="0">
                 <a:latin typeface="Arial" charset="0"/>
                 <a:ea typeface="Arial" charset="0"/>
                 <a:cs typeface="Arial" charset="0"/>
               </a:rPr>
-              <a:t>sit</a:t>
-            </a:r>
-            <a:r>
-              <a:rPr lang="pt-PT" sz="4400" dirty="0">
-                <a:latin typeface="Arial" charset="0"/>
-                <a:ea typeface="Arial" charset="0"/>
-                <a:cs typeface="Arial" charset="0"/>
-              </a:rPr>
-              <a:t> </a:t>
-            </a:r>
-            <a:r>
-              <a:rPr lang="pt-PT" sz="4400" dirty="0" err="1">
-                <a:latin typeface="Arial" charset="0"/>
-                <a:ea typeface="Arial" charset="0"/>
-                <a:cs typeface="Arial" charset="0"/>
-              </a:rPr>
-              <a:t>amet</a:t>
-            </a:r>
-            <a:r>
-              <a:rPr lang="pt-PT" sz="4400" dirty="0">
-                <a:latin typeface="Arial" charset="0"/>
-                <a:ea typeface="Arial" charset="0"/>
-                <a:cs typeface="Arial" charset="0"/>
-              </a:rPr>
-              <a:t>, </a:t>
-            </a:r>
-            <a:r>
-              <a:rPr lang="pt-PT" sz="4400" dirty="0" err="1">
-                <a:latin typeface="Arial" charset="0"/>
-                <a:ea typeface="Arial" charset="0"/>
-                <a:cs typeface="Arial" charset="0"/>
-              </a:rPr>
-              <a:t>consectetuer</a:t>
-            </a:r>
-            <a:r>
-              <a:rPr lang="pt-PT" sz="4400" dirty="0">
-                <a:latin typeface="Arial" charset="0"/>
-                <a:ea typeface="Arial" charset="0"/>
-                <a:cs typeface="Arial" charset="0"/>
-              </a:rPr>
-              <a:t> </a:t>
-            </a:r>
-            <a:r>
-              <a:rPr lang="pt-PT" sz="4400" dirty="0" err="1">
-                <a:latin typeface="Arial" charset="0"/>
-                <a:ea typeface="Arial" charset="0"/>
-                <a:cs typeface="Arial" charset="0"/>
-              </a:rPr>
-              <a:t>adipiscing</a:t>
-            </a:r>
-            <a:r>
-              <a:rPr lang="pt-PT" sz="4400" dirty="0">
-                <a:latin typeface="Arial" charset="0"/>
-                <a:ea typeface="Arial" charset="0"/>
-                <a:cs typeface="Arial" charset="0"/>
-              </a:rPr>
-              <a:t> </a:t>
-            </a:r>
-            <a:r>
-              <a:rPr lang="pt-PT" sz="4400" dirty="0" err="1">
-                <a:latin typeface="Arial" charset="0"/>
-                <a:ea typeface="Arial" charset="0"/>
-                <a:cs typeface="Arial" charset="0"/>
-              </a:rPr>
-              <a:t>elit</a:t>
-            </a:r>
-            <a:r>
-              <a:rPr lang="pt-PT" sz="4400" dirty="0">
-                <a:latin typeface="Arial" charset="0"/>
-                <a:ea typeface="Arial" charset="0"/>
-                <a:cs typeface="Arial" charset="0"/>
-              </a:rPr>
-              <a:t>. </a:t>
-            </a:r>
-            <a:r>
-              <a:rPr lang="pt-PT" sz="4400" dirty="0" err="1">
-                <a:latin typeface="Arial" charset="0"/>
-                <a:ea typeface="Arial" charset="0"/>
-                <a:cs typeface="Arial" charset="0"/>
-              </a:rPr>
-              <a:t>Aenean</a:t>
-            </a:r>
-            <a:r>
-              <a:rPr lang="pt-PT" sz="4400" dirty="0">
-                <a:latin typeface="Arial" charset="0"/>
-                <a:ea typeface="Arial" charset="0"/>
-                <a:cs typeface="Arial" charset="0"/>
-              </a:rPr>
-              <a:t> </a:t>
-            </a:r>
-            <a:r>
-              <a:rPr lang="pt-PT" sz="4400" dirty="0" err="1">
-                <a:latin typeface="Arial" charset="0"/>
-                <a:ea typeface="Arial" charset="0"/>
-                <a:cs typeface="Arial" charset="0"/>
-              </a:rPr>
-              <a:t>commodo</a:t>
-            </a:r>
-            <a:r>
-              <a:rPr lang="pt-PT" sz="4400" dirty="0">
-                <a:latin typeface="Arial" charset="0"/>
-                <a:ea typeface="Arial" charset="0"/>
-                <a:cs typeface="Arial" charset="0"/>
-              </a:rPr>
-              <a:t> </a:t>
-            </a:r>
-            <a:r>
-              <a:rPr lang="pt-PT" sz="4400" dirty="0" err="1">
-                <a:latin typeface="Arial" charset="0"/>
-                <a:ea typeface="Arial" charset="0"/>
-                <a:cs typeface="Arial" charset="0"/>
-              </a:rPr>
-              <a:t>ligula</a:t>
-            </a:r>
-            <a:r>
-              <a:rPr lang="pt-PT" sz="4400" dirty="0">
-                <a:latin typeface="Arial" charset="0"/>
-                <a:ea typeface="Arial" charset="0"/>
-                <a:cs typeface="Arial" charset="0"/>
-              </a:rPr>
-              <a:t> </a:t>
-            </a:r>
-            <a:r>
-              <a:rPr lang="pt-PT" sz="4400" dirty="0" err="1">
-                <a:latin typeface="Arial" charset="0"/>
-                <a:ea typeface="Arial" charset="0"/>
-                <a:cs typeface="Arial" charset="0"/>
-              </a:rPr>
-              <a:t>eget</a:t>
-            </a:r>
-            <a:r>
-              <a:rPr lang="pt-PT" sz="4400" dirty="0">
-                <a:latin typeface="Arial" charset="0"/>
-                <a:ea typeface="Arial" charset="0"/>
-                <a:cs typeface="Arial" charset="0"/>
-              </a:rPr>
-              <a:t> </a:t>
-            </a:r>
-            <a:r>
-              <a:rPr lang="pt-PT" sz="4400" dirty="0" err="1">
-                <a:latin typeface="Arial" charset="0"/>
-                <a:ea typeface="Arial" charset="0"/>
-                <a:cs typeface="Arial" charset="0"/>
-              </a:rPr>
-              <a:t>dolor</a:t>
-            </a:r>
-            <a:r>
-              <a:rPr lang="pt-PT" sz="4400" dirty="0">
-                <a:latin typeface="Arial" charset="0"/>
-                <a:ea typeface="Arial" charset="0"/>
-                <a:cs typeface="Arial" charset="0"/>
-              </a:rPr>
-              <a:t>. </a:t>
-            </a:r>
-            <a:r>
-              <a:rPr lang="pt-PT" sz="4400" dirty="0" err="1">
-                <a:latin typeface="Arial" charset="0"/>
-                <a:ea typeface="Arial" charset="0"/>
-                <a:cs typeface="Arial" charset="0"/>
-              </a:rPr>
-              <a:t>Aenean</a:t>
-            </a:r>
-            <a:r>
-              <a:rPr lang="pt-PT" sz="4400" dirty="0">
-                <a:latin typeface="Arial" charset="0"/>
-                <a:ea typeface="Arial" charset="0"/>
-                <a:cs typeface="Arial" charset="0"/>
-              </a:rPr>
-              <a:t> massa. Cum </a:t>
-            </a:r>
-            <a:r>
-              <a:rPr lang="pt-PT" sz="4400" dirty="0" err="1">
-                <a:latin typeface="Arial" charset="0"/>
-                <a:ea typeface="Arial" charset="0"/>
-                <a:cs typeface="Arial" charset="0"/>
-              </a:rPr>
-              <a:t>sociis</a:t>
-            </a:r>
-            <a:r>
-              <a:rPr lang="pt-PT" sz="4400" dirty="0">
-                <a:latin typeface="Arial" charset="0"/>
-                <a:ea typeface="Arial" charset="0"/>
-                <a:cs typeface="Arial" charset="0"/>
-              </a:rPr>
-              <a:t> </a:t>
-            </a:r>
-            <a:r>
-              <a:rPr lang="pt-PT" sz="4400" dirty="0" err="1">
-                <a:latin typeface="Arial" charset="0"/>
-                <a:ea typeface="Arial" charset="0"/>
-                <a:cs typeface="Arial" charset="0"/>
-              </a:rPr>
-              <a:t>natoque</a:t>
-            </a:r>
-            <a:r>
-              <a:rPr lang="pt-PT" sz="4400" dirty="0">
-                <a:latin typeface="Arial" charset="0"/>
-                <a:ea typeface="Arial" charset="0"/>
-                <a:cs typeface="Arial" charset="0"/>
-              </a:rPr>
-              <a:t> </a:t>
-            </a:r>
-            <a:r>
-              <a:rPr lang="pt-PT" sz="4400" dirty="0" err="1">
-                <a:latin typeface="Arial" charset="0"/>
-                <a:ea typeface="Arial" charset="0"/>
-                <a:cs typeface="Arial" charset="0"/>
-              </a:rPr>
-              <a:t>penatibus</a:t>
-            </a:r>
-            <a:r>
-              <a:rPr lang="pt-PT" sz="4400" dirty="0">
-                <a:latin typeface="Arial" charset="0"/>
-                <a:ea typeface="Arial" charset="0"/>
-                <a:cs typeface="Arial" charset="0"/>
-              </a:rPr>
-              <a:t> </a:t>
-            </a:r>
-            <a:r>
-              <a:rPr lang="pt-PT" sz="4400" dirty="0" err="1">
-                <a:latin typeface="Arial" charset="0"/>
-                <a:ea typeface="Arial" charset="0"/>
-                <a:cs typeface="Arial" charset="0"/>
-              </a:rPr>
-              <a:t>et</a:t>
-            </a:r>
-            <a:r>
-              <a:rPr lang="pt-PT" sz="4400" dirty="0">
-                <a:latin typeface="Arial" charset="0"/>
-                <a:ea typeface="Arial" charset="0"/>
-                <a:cs typeface="Arial" charset="0"/>
-              </a:rPr>
-              <a:t> </a:t>
-            </a:r>
-            <a:r>
-              <a:rPr lang="pt-PT" sz="4400" dirty="0" err="1">
-                <a:latin typeface="Arial" charset="0"/>
-                <a:ea typeface="Arial" charset="0"/>
-                <a:cs typeface="Arial" charset="0"/>
-              </a:rPr>
-              <a:t>magnis</a:t>
-            </a:r>
-            <a:r>
-              <a:rPr lang="pt-PT" sz="4400" dirty="0">
-                <a:latin typeface="Arial" charset="0"/>
-                <a:ea typeface="Arial" charset="0"/>
-                <a:cs typeface="Arial" charset="0"/>
-              </a:rPr>
-              <a:t> </a:t>
-            </a:r>
-            <a:r>
-              <a:rPr lang="pt-PT" sz="4400" dirty="0" err="1">
-                <a:latin typeface="Arial" charset="0"/>
-                <a:ea typeface="Arial" charset="0"/>
-                <a:cs typeface="Arial" charset="0"/>
-              </a:rPr>
-              <a:t>dis</a:t>
-            </a:r>
-            <a:r>
-              <a:rPr lang="pt-PT" sz="4400" dirty="0">
-                <a:latin typeface="Arial" charset="0"/>
-                <a:ea typeface="Arial" charset="0"/>
-                <a:cs typeface="Arial" charset="0"/>
-              </a:rPr>
-              <a:t> </a:t>
-            </a:r>
-            <a:r>
-              <a:rPr lang="pt-PT" sz="4400" dirty="0" err="1">
-                <a:latin typeface="Arial" charset="0"/>
-                <a:ea typeface="Arial" charset="0"/>
-                <a:cs typeface="Arial" charset="0"/>
-              </a:rPr>
-              <a:t>parturient</a:t>
-            </a:r>
-            <a:r>
-              <a:rPr lang="pt-PT" sz="4400" dirty="0">
-                <a:latin typeface="Arial" charset="0"/>
-                <a:ea typeface="Arial" charset="0"/>
-                <a:cs typeface="Arial" charset="0"/>
-              </a:rPr>
-              <a:t> montes, </a:t>
-            </a:r>
-            <a:r>
-              <a:rPr lang="pt-PT" sz="4400" dirty="0" err="1">
-                <a:latin typeface="Arial" charset="0"/>
-                <a:ea typeface="Arial" charset="0"/>
-                <a:cs typeface="Arial" charset="0"/>
-              </a:rPr>
-              <a:t>nascetur</a:t>
-            </a:r>
-            <a:r>
-              <a:rPr lang="pt-PT" sz="4400" dirty="0">
-                <a:latin typeface="Arial" charset="0"/>
-                <a:ea typeface="Arial" charset="0"/>
-                <a:cs typeface="Arial" charset="0"/>
-              </a:rPr>
-              <a:t> </a:t>
-            </a:r>
-            <a:r>
-              <a:rPr lang="pt-PT" sz="4400" dirty="0" err="1">
-                <a:latin typeface="Arial" charset="0"/>
-                <a:ea typeface="Arial" charset="0"/>
-                <a:cs typeface="Arial" charset="0"/>
-              </a:rPr>
-              <a:t>ridiculus</a:t>
-            </a:r>
-            <a:r>
-              <a:rPr lang="pt-PT" sz="4400" dirty="0">
-                <a:latin typeface="Arial" charset="0"/>
-                <a:ea typeface="Arial" charset="0"/>
-                <a:cs typeface="Arial" charset="0"/>
-              </a:rPr>
-              <a:t> mus. </a:t>
-            </a:r>
-            <a:r>
-              <a:rPr lang="pt-PT" sz="4400" dirty="0" err="1">
-                <a:latin typeface="Arial" charset="0"/>
-                <a:ea typeface="Arial" charset="0"/>
-                <a:cs typeface="Arial" charset="0"/>
-              </a:rPr>
-              <a:t>Donec</a:t>
-            </a:r>
-            <a:r>
-              <a:rPr lang="pt-PT" sz="4400" dirty="0">
-                <a:latin typeface="Arial" charset="0"/>
-                <a:ea typeface="Arial" charset="0"/>
-                <a:cs typeface="Arial" charset="0"/>
-              </a:rPr>
-              <a:t> </a:t>
-            </a:r>
-            <a:r>
-              <a:rPr lang="pt-PT" sz="4400" dirty="0" err="1">
-                <a:latin typeface="Arial" charset="0"/>
-                <a:ea typeface="Arial" charset="0"/>
-                <a:cs typeface="Arial" charset="0"/>
-              </a:rPr>
-              <a:t>quam</a:t>
-            </a:r>
-            <a:r>
-              <a:rPr lang="pt-PT" sz="4400" dirty="0">
-                <a:latin typeface="Arial" charset="0"/>
-                <a:ea typeface="Arial" charset="0"/>
-                <a:cs typeface="Arial" charset="0"/>
-              </a:rPr>
-              <a:t> </a:t>
-            </a:r>
-            <a:r>
-              <a:rPr lang="pt-PT" sz="4400" dirty="0" err="1">
-                <a:latin typeface="Arial" charset="0"/>
-                <a:ea typeface="Arial" charset="0"/>
-                <a:cs typeface="Arial" charset="0"/>
-              </a:rPr>
-              <a:t>felis</a:t>
-            </a:r>
-            <a:r>
-              <a:rPr lang="pt-PT" sz="4400" dirty="0">
-                <a:latin typeface="Arial" charset="0"/>
-                <a:ea typeface="Arial" charset="0"/>
-                <a:cs typeface="Arial" charset="0"/>
-              </a:rPr>
-              <a:t>, </a:t>
-            </a:r>
-            <a:r>
-              <a:rPr lang="pt-PT" sz="4400" dirty="0" err="1">
-                <a:latin typeface="Arial" charset="0"/>
-                <a:ea typeface="Arial" charset="0"/>
-                <a:cs typeface="Arial" charset="0"/>
-              </a:rPr>
-              <a:t>ultricies</a:t>
-            </a:r>
-            <a:r>
-              <a:rPr lang="pt-PT" sz="4400" dirty="0">
-                <a:latin typeface="Arial" charset="0"/>
-                <a:ea typeface="Arial" charset="0"/>
-                <a:cs typeface="Arial" charset="0"/>
-              </a:rPr>
-              <a:t> </a:t>
-            </a:r>
-            <a:r>
-              <a:rPr lang="pt-PT" sz="4400" dirty="0" err="1">
-                <a:latin typeface="Arial" charset="0"/>
-                <a:ea typeface="Arial" charset="0"/>
-                <a:cs typeface="Arial" charset="0"/>
-              </a:rPr>
-              <a:t>nec</a:t>
-            </a:r>
-            <a:r>
-              <a:rPr lang="pt-PT" sz="4400" dirty="0">
-                <a:latin typeface="Arial" charset="0"/>
-                <a:ea typeface="Arial" charset="0"/>
-                <a:cs typeface="Arial" charset="0"/>
-              </a:rPr>
-              <a:t>, </a:t>
-            </a:r>
-            <a:r>
-              <a:rPr lang="pt-PT" sz="4400" dirty="0" err="1">
-                <a:latin typeface="Arial" charset="0"/>
-                <a:ea typeface="Arial" charset="0"/>
-                <a:cs typeface="Arial" charset="0"/>
-              </a:rPr>
-              <a:t>pellentesque</a:t>
-            </a:r>
-            <a:r>
-              <a:rPr lang="pt-PT" sz="4400" dirty="0">
-                <a:latin typeface="Arial" charset="0"/>
-                <a:ea typeface="Arial" charset="0"/>
-                <a:cs typeface="Arial" charset="0"/>
-              </a:rPr>
-              <a:t> eu, </a:t>
-            </a:r>
-            <a:r>
-              <a:rPr lang="pt-PT" sz="4400" dirty="0" err="1">
-                <a:latin typeface="Arial" charset="0"/>
-                <a:ea typeface="Arial" charset="0"/>
-                <a:cs typeface="Arial" charset="0"/>
-              </a:rPr>
-              <a:t>pretium</a:t>
-            </a:r>
-            <a:r>
-              <a:rPr lang="pt-PT" sz="4400" dirty="0">
-                <a:latin typeface="Arial" charset="0"/>
-                <a:ea typeface="Arial" charset="0"/>
-                <a:cs typeface="Arial" charset="0"/>
-              </a:rPr>
-              <a:t> quis, sem. </a:t>
-            </a:r>
-            <a:r>
-              <a:rPr lang="pt-PT" sz="4400" dirty="0" err="1">
-                <a:latin typeface="Arial" charset="0"/>
-                <a:ea typeface="Arial" charset="0"/>
-                <a:cs typeface="Arial" charset="0"/>
-              </a:rPr>
-              <a:t>rhoncus</a:t>
-            </a:r>
-            <a:r>
-              <a:rPr lang="pt-PT" sz="4400" dirty="0">
-                <a:latin typeface="Arial" charset="0"/>
-                <a:ea typeface="Arial" charset="0"/>
-                <a:cs typeface="Arial" charset="0"/>
-              </a:rPr>
-              <a:t>. </a:t>
-            </a:r>
-            <a:r>
-              <a:rPr lang="pt-PT" sz="4400" dirty="0" err="1">
-                <a:latin typeface="Arial" charset="0"/>
-                <a:ea typeface="Arial" charset="0"/>
-                <a:cs typeface="Arial" charset="0"/>
-              </a:rPr>
-              <a:t>Maecenas</a:t>
-            </a:r>
-            <a:r>
-              <a:rPr lang="pt-PT" sz="4400" dirty="0">
-                <a:latin typeface="Arial" charset="0"/>
-                <a:ea typeface="Arial" charset="0"/>
-                <a:cs typeface="Arial" charset="0"/>
-              </a:rPr>
-              <a:t> </a:t>
-            </a:r>
-            <a:r>
-              <a:rPr lang="pt-PT" sz="4400" dirty="0" err="1">
-                <a:latin typeface="Arial" charset="0"/>
-                <a:ea typeface="Arial" charset="0"/>
-                <a:cs typeface="Arial" charset="0"/>
-              </a:rPr>
-              <a:t>tempus</a:t>
-            </a:r>
-            <a:r>
-              <a:rPr lang="pt-PT" sz="4400" dirty="0">
-                <a:latin typeface="Arial" charset="0"/>
-                <a:ea typeface="Arial" charset="0"/>
-                <a:cs typeface="Arial" charset="0"/>
-              </a:rPr>
-              <a:t>, </a:t>
-            </a:r>
-            <a:r>
-              <a:rPr lang="pt-PT" sz="4400" dirty="0" err="1">
-                <a:latin typeface="Arial" charset="0"/>
-                <a:ea typeface="Arial" charset="0"/>
-                <a:cs typeface="Arial" charset="0"/>
-              </a:rPr>
-              <a:t>tellus</a:t>
-            </a:r>
-            <a:r>
-              <a:rPr lang="pt-PT" sz="4400" dirty="0">
-                <a:latin typeface="Arial" charset="0"/>
-                <a:ea typeface="Arial" charset="0"/>
-                <a:cs typeface="Arial" charset="0"/>
-              </a:rPr>
-              <a:t> </a:t>
-            </a:r>
-            <a:r>
-              <a:rPr lang="pt-PT" sz="4400" dirty="0" err="1">
-                <a:latin typeface="Arial" charset="0"/>
-                <a:ea typeface="Arial" charset="0"/>
-                <a:cs typeface="Arial" charset="0"/>
-              </a:rPr>
-              <a:t>eget</a:t>
-            </a:r>
-            <a:r>
-              <a:rPr lang="pt-PT" sz="4400" dirty="0">
-                <a:latin typeface="Arial" charset="0"/>
-                <a:ea typeface="Arial" charset="0"/>
-                <a:cs typeface="Arial" charset="0"/>
-              </a:rPr>
-              <a:t> </a:t>
-            </a:r>
-            <a:r>
-              <a:rPr lang="pt-PT" sz="4400" dirty="0" err="1">
-                <a:latin typeface="Arial" charset="0"/>
-                <a:ea typeface="Arial" charset="0"/>
-                <a:cs typeface="Arial" charset="0"/>
-              </a:rPr>
-              <a:t>condimentum</a:t>
-            </a:r>
-            <a:r>
-              <a:rPr lang="pt-PT" sz="4400" dirty="0">
-                <a:latin typeface="Arial" charset="0"/>
-                <a:ea typeface="Arial" charset="0"/>
-                <a:cs typeface="Arial" charset="0"/>
-              </a:rPr>
-              <a:t> </a:t>
-            </a:r>
-            <a:r>
-              <a:rPr lang="pt-PT" sz="4400" dirty="0" err="1">
-                <a:latin typeface="Arial" charset="0"/>
-                <a:ea typeface="Arial" charset="0"/>
-                <a:cs typeface="Arial" charset="0"/>
-              </a:rPr>
-              <a:t>rhoncus</a:t>
-            </a:r>
-            <a:r>
-              <a:rPr lang="pt-PT" sz="4400" dirty="0">
-                <a:latin typeface="Arial" charset="0"/>
-                <a:ea typeface="Arial" charset="0"/>
-                <a:cs typeface="Arial" charset="0"/>
-              </a:rPr>
-              <a:t>, sem </a:t>
-            </a:r>
-            <a:r>
-              <a:rPr lang="pt-PT" sz="4400" dirty="0" err="1">
-                <a:latin typeface="Arial" charset="0"/>
-                <a:ea typeface="Arial" charset="0"/>
-                <a:cs typeface="Arial" charset="0"/>
-              </a:rPr>
-              <a:t>quam</a:t>
+              <a:t> showcases the advantages of API usage in enhancing software functionality and user experience.</a:t>
             </a:r>
             <a:endParaRPr lang="pt-PT" sz="4400" dirty="0">
               <a:latin typeface="Arial" charset="0"/>
@@ -6991,7 +4642,7 @@
         </p:nvSpPr>
         <p:spPr>
           <a:xfrm>
-            <a:off x="283989" y="38939358"/>
+            <a:off x="283989" y="40172035"/>
             <a:ext cx="12276177" cy="920115"/>
           </a:xfrm>
           <a:prstGeom prst="rect">
@@ -7021,18 +4672,13 @@
           <a:p>
             <a:pPr algn="l"/>
             <a:r>
-              <a:rPr lang="en-US" sz="5400" b="1" dirty="0" err="1">
+              <a:rPr lang="en-US" sz="5400" b="1" dirty="0">
                 <a:latin typeface="Arial" charset="0"/>
                 <a:ea typeface="Arial" charset="0"/>
                 <a:cs typeface="Arial" charset="0"/>
               </a:rPr>
-              <a:t>Referências</a:t>
-            </a:r>
-            <a:endParaRPr lang="en-US" sz="5400" b="1" dirty="0">
-              <a:latin typeface="Arial" charset="0"/>
-              <a:ea typeface="Arial" charset="0"/>
-              <a:cs typeface="Arial" charset="0"/>
-            </a:endParaRPr>
+              <a:t>References</a:t>
+            </a:r>
           </a:p>
         </p:txBody>
       </p:sp>
@@ -7046,7 +4692,7 @@
         </p:nvSpPr>
         <p:spPr>
           <a:xfrm>
-            <a:off x="18004011" y="39971195"/>
+            <a:off x="18149912" y="41443739"/>
             <a:ext cx="9931734" cy="920115"/>
           </a:xfrm>
           <a:prstGeom prst="rect">
@@ -7076,18 +4722,13 @@
           <a:p>
             <a:pPr algn="l"/>
             <a:r>
-              <a:rPr lang="en-US" sz="5400" b="1" dirty="0" err="1">
+              <a:rPr lang="en-US" sz="5400" b="1" dirty="0">
                 <a:latin typeface="Arial" charset="0"/>
                 <a:ea typeface="Arial" charset="0"/>
                 <a:cs typeface="Arial" charset="0"/>
               </a:rPr>
-              <a:t>Apoios</a:t>
-            </a:r>
-            <a:endParaRPr lang="en-US" sz="5400" b="1" dirty="0">
-              <a:latin typeface="Arial" charset="0"/>
-              <a:ea typeface="Arial" charset="0"/>
-              <a:cs typeface="Arial" charset="0"/>
-            </a:endParaRPr>
+              <a:t>Endorsement</a:t>
+            </a:r>
           </a:p>
         </p:txBody>
       </p:sp>
@@ -7099,8 +4740,8 @@
         </p:nvSpPr>
         <p:spPr>
           <a:xfrm>
-            <a:off x="632460" y="40221896"/>
-            <a:ext cx="14720571" cy="1815882"/>
+            <a:off x="632460" y="41176003"/>
+            <a:ext cx="14720571" cy="954107"/>
           </a:xfrm>
           <a:prstGeom prst="rect">
             <a:avLst/>
@@ -7118,20 +4759,12 @@
               <a:buChar char="•"/>
             </a:pPr>
             <a:r>
-              <a:rPr lang="en-GB" sz="2800" dirty="0" err="1">
-                <a:effectLst/>
-                <a:latin typeface="Calibri" panose="020F0502020204030204" pitchFamily="34" charset="0"/>
-                <a:ea typeface="Calibri" panose="020F0502020204030204" pitchFamily="34" charset="0"/>
-              </a:rPr>
-              <a:t>Goserver</a:t>
-            </a:r>
-            <a:r>
               <a:rPr lang="en-GB" sz="2800" dirty="0">
                 <a:effectLst/>
                 <a:latin typeface="Calibri" panose="020F0502020204030204" pitchFamily="34" charset="0"/>
                 <a:ea typeface="Calibri" panose="020F0502020204030204" pitchFamily="34" charset="0"/>
               </a:rPr>
-              <a:t> Ref: </a:t>
+              <a:t>Laravel Documentation: </a:t>
             </a:r>
             <a:r>
               <a:rPr lang="en-GB" sz="2800" u="sng" dirty="0">
@@ -7141,9 +4774,8 @@
                 <a:effectLst/>
                 <a:latin typeface="Calibri" panose="020F0502020204030204" pitchFamily="34" charset="0"/>
                 <a:ea typeface="Calibri" panose="020F0502020204030204" pitchFamily="34" charset="0"/>
-                <a:hlinkClick r:id="rId5"/>
-              </a:rPr>
-              <a:t>http:///www.geoserver.pt</a:t>
+              </a:rPr>
+              <a:t>https://laravel.com/docs/11.x/readme</a:t>
             </a:r>
             <a:endParaRPr lang="pt-PT" sz="2800" dirty="0">
               <a:effectLst/>
@@ -7162,7 +4794,7 @@
                 <a:latin typeface="Calibri" panose="020F0502020204030204" pitchFamily="34" charset="0"/>
                 <a:ea typeface="Calibri" panose="020F0502020204030204" pitchFamily="34" charset="0"/>
               </a:rPr>
-              <a:t>GeoJson</a:t>
+              <a:t>Rentila</a:t>
             </a:r>
             <a:r>
               <a:rPr lang="en-GB" sz="2800" dirty="0">
@@ -7170,7 +4802,7 @@
                 <a:latin typeface="Calibri" panose="020F0502020204030204" pitchFamily="34" charset="0"/>
                 <a:ea typeface="Calibri" panose="020F0502020204030204" pitchFamily="34" charset="0"/>
               </a:rPr>
-              <a:t> Ref Example: </a:t>
+              <a:t> Software: </a:t>
             </a:r>
             <a:r>
               <a:rPr lang="en-GB" sz="2800" u="sng" dirty="0">
@@ -7180,50 +4812,8 @@
                 <a:effectLst/>
                 <a:latin typeface="Calibri" panose="020F0502020204030204" pitchFamily="34" charset="0"/>
                 <a:ea typeface="Calibri" panose="020F0502020204030204" pitchFamily="34" charset="0"/>
-                <a:hlinkClick r:id="rId6"/>
-              </a:rPr>
-              <a:t>https://geojson.io/</a:t>
-            </a:r>
-            <a:endParaRPr lang="en-GB" sz="2800" u="sng" dirty="0">
-              <a:solidFill>
-                <a:srgbClr val="0563C1"/>
-              </a:solidFill>
-              <a:effectLst/>
-              <a:latin typeface="Calibri" panose="020F0502020204030204" pitchFamily="34" charset="0"/>
-              <a:ea typeface="Calibri" panose="020F0502020204030204" pitchFamily="34" charset="0"/>
-            </a:endParaRPr>
-          </a:p>
-          <a:p>
-            <a:pPr marL="285750" indent="-285750">
-              <a:buFont typeface="Arial" panose="020B0604020202020204" pitchFamily="34" charset="0"/>
-              <a:buChar char="•"/>
-            </a:pPr>
-            <a:r>
-              <a:rPr lang="en-GB" sz="2800" u="sng" dirty="0">
-                <a:solidFill>
-                  <a:srgbClr val="0563C1"/>
-                </a:solidFill>
-                <a:latin typeface="Calibri" panose="020F0502020204030204" pitchFamily="34" charset="0"/>
-                <a:ea typeface="Calibri" panose="020F0502020204030204" pitchFamily="34" charset="0"/>
-              </a:rPr>
-              <a:t> </a:t>
-            </a:r>
-          </a:p>
-          <a:p>
-            <a:pPr marL="285750" indent="-285750">
-              <a:buFont typeface="Arial" panose="020B0604020202020204" pitchFamily="34" charset="0"/>
-              <a:buChar char="•"/>
-            </a:pPr>
-            <a:r>
-              <a:rPr lang="en-GB" sz="2800" u="sng" dirty="0">
-                <a:solidFill>
-                  <a:srgbClr val="0563C1"/>
-                </a:solidFill>
-                <a:effectLst/>
-                <a:latin typeface="Calibri" panose="020F0502020204030204" pitchFamily="34" charset="0"/>
-                <a:ea typeface="Calibri" panose="020F0502020204030204" pitchFamily="34" charset="0"/>
-              </a:rPr>
-              <a:t> </a:t>
+              </a:rPr>
+              <a:t>https://www.rentila.pt/</a:t>
             </a:r>
             <a:endParaRPr lang="pt-PT" sz="2800" dirty="0">
               <a:effectLst/>
@@ -7241,7 +4831,7 @@
         </p:nvSpPr>
         <p:spPr>
           <a:xfrm>
-            <a:off x="21457129" y="40221896"/>
+            <a:off x="23338387" y="41775679"/>
             <a:ext cx="5085871" cy="477054"/>
           </a:xfrm>
           <a:prstGeom prst="rect">
@@ -7255,32 +4845,53 @@
           </a:bodyPr>
           <a:lstStyle/>
           <a:p>
-            <a:pPr algn="just"/>
-            <a:r>
-              <a:rPr lang="pt-PT" sz="2500" dirty="0">
+            <a:pPr marL="342900" indent="-342900" algn="just">
+              <a:buFont typeface="Arial" panose="020B0604020202020204" pitchFamily="34" charset="0"/>
+              <a:buChar char="•"/>
+            </a:pPr>
+            <a:r>
+              <a:rPr lang="pt-PT" sz="2500" b="1" dirty="0" err="1">
                 <a:latin typeface="Arial" charset="0"/>
                 <a:ea typeface="Arial" charset="0"/>
                 <a:cs typeface="Arial" charset="0"/>
               </a:rPr>
-              <a:t>Empresa X, Instituição, Y</a:t>
-            </a:r>
-          </a:p>
-        </p:txBody>
-      </p:sp>
-      <p:sp>
-        <p:nvSpPr>
-          <p:cNvPr id="41" name="Retângulo 40"/>
+              <a:t>FTKode</a:t>
+            </a:r>
+            <a:r>
+              <a:rPr lang="pt-PT" sz="2500" b="1" dirty="0">
+                <a:latin typeface="Arial" charset="0"/>
+                <a:ea typeface="Arial" charset="0"/>
+                <a:cs typeface="Arial" charset="0"/>
+              </a:rPr>
+              <a:t>, Lda.</a:t>
+            </a:r>
+          </a:p>
+        </p:txBody>
+      </p:sp>
+      <p:sp>
+        <p:nvSpPr>
+          <p:cNvPr id="46" name="Retângulo 45">
+            <a:extLst>
+              <a:ext uri="{FF2B5EF4-FFF2-40B4-BE49-F238E27FC236}">
+                <a16:creationId xmlns:a16="http://schemas.microsoft.com/office/drawing/2014/main" id="{5C511E10-C9F6-454B-9C89-815C7DED4A78}"/>
+              </a:ext>
+            </a:extLst>
+          </p:cNvPr>
           <p:cNvSpPr/>
           <p:nvPr/>
         </p:nvSpPr>
         <p:spPr>
           <a:xfrm>
-            <a:off x="24613919" y="41083670"/>
-            <a:ext cx="2577619" cy="947356"/>
+            <a:off x="22477739" y="5438646"/>
+            <a:ext cx="7763969" cy="1064385"/>
           </a:xfrm>
           <a:prstGeom prst="rect">
             <a:avLst/>
           </a:prstGeom>
+          <a:noFill/>
+          <a:ln>
+            <a:noFill/>
+          </a:ln>
         </p:spPr>
         <p:style>
           <a:lnRef idx="1">
@@ -7301,160 +4912,6 @@
           <a:lstStyle/>
           <a:p>
             <a:pPr algn="ctr"/>
-            <a:endParaRPr lang="pt-PT"/>
-          </a:p>
-        </p:txBody>
-      </p:sp>
-      <p:sp>
-        <p:nvSpPr>
-          <p:cNvPr id="42" name="Retângulo 41"/>
-          <p:cNvSpPr/>
-          <p:nvPr/>
-        </p:nvSpPr>
-        <p:spPr>
-          <a:xfrm>
-            <a:off x="27770709" y="41083670"/>
-            <a:ext cx="3083941" cy="947356"/>
-          </a:xfrm>
-          <a:prstGeom prst="rect">
-            <a:avLst/>
-          </a:prstGeom>
-        </p:spPr>
-        <p:style>
-          <a:lnRef idx="1">
-            <a:schemeClr val="accent1"/>
-          </a:lnRef>
-          <a:fillRef idx="3">
-            <a:schemeClr val="accent1"/>
-          </a:fillRef>
-          <a:effectRef idx="2">
-            <a:schemeClr val="accent1"/>
-          </a:effectRef>
-          <a:fontRef idx="minor">
-            <a:schemeClr val="lt1"/>
-          </a:fontRef>
-        </p:style>
-        <p:txBody>
-          <a:bodyPr rtlCol="0" anchor="ctr"/>
-          <a:lstStyle/>
-          <a:p>
-            <a:pPr algn="ctr"/>
-            <a:endParaRPr lang="pt-PT"/>
-          </a:p>
-        </p:txBody>
-      </p:sp>
-      <p:sp>
-        <p:nvSpPr>
-          <p:cNvPr id="44" name="CaixaDeTexto 43"/>
-          <p:cNvSpPr txBox="1"/>
-          <p:nvPr/>
-        </p:nvSpPr>
-        <p:spPr>
-          <a:xfrm>
-            <a:off x="24824126" y="41344575"/>
-            <a:ext cx="5085871" cy="477054"/>
-          </a:xfrm>
-          <a:prstGeom prst="rect">
-            <a:avLst/>
-          </a:prstGeom>
-          <a:noFill/>
-        </p:spPr>
-        <p:txBody>
-          <a:bodyPr wrap="square" rtlCol="0">
-            <a:spAutoFit/>
-          </a:bodyPr>
-          <a:lstStyle/>
-          <a:p>
-            <a:pPr algn="just"/>
-            <a:r>
-              <a:rPr lang="pt-PT" sz="2500" dirty="0">
-                <a:latin typeface="Arial" charset="0"/>
-                <a:ea typeface="Arial" charset="0"/>
-                <a:cs typeface="Arial" charset="0"/>
-              </a:rPr>
-              <a:t>Logotipos</a:t>
-            </a:r>
-          </a:p>
-        </p:txBody>
-      </p:sp>
-      <p:sp>
-        <p:nvSpPr>
-          <p:cNvPr id="45" name="CaixaDeTexto 44"/>
-          <p:cNvSpPr txBox="1"/>
-          <p:nvPr/>
-        </p:nvSpPr>
-        <p:spPr>
-          <a:xfrm>
-            <a:off x="28311714" y="41344575"/>
-            <a:ext cx="5085871" cy="477054"/>
-          </a:xfrm>
-          <a:prstGeom prst="rect">
-            <a:avLst/>
-          </a:prstGeom>
-          <a:noFill/>
-        </p:spPr>
-        <p:txBody>
-          <a:bodyPr wrap="square" rtlCol="0">
-            <a:spAutoFit/>
-          </a:bodyPr>
-          <a:lstStyle/>
-          <a:p>
-            <a:pPr algn="just"/>
-            <a:r>
-              <a:rPr lang="pt-PT" sz="2500" dirty="0">
-                <a:latin typeface="Arial" charset="0"/>
-                <a:ea typeface="Arial" charset="0"/>
-                <a:cs typeface="Arial" charset="0"/>
-              </a:rPr>
-              <a:t>Apoios</a:t>
-            </a:r>
-          </a:p>
-        </p:txBody>
-      </p:sp>
-      <p:sp>
-        <p:nvSpPr>
-          <p:cNvPr id="46" name="Retângulo 45">
-            <a:extLst>
-              <a:ext uri="{FF2B5EF4-FFF2-40B4-BE49-F238E27FC236}">
-                <a16:creationId xmlns:a16="http://schemas.microsoft.com/office/drawing/2014/main" id="{5C511E10-C9F6-454B-9C89-815C7DED4A78}"/>
-              </a:ext>
-            </a:extLst>
-          </p:cNvPr>
-          <p:cNvSpPr/>
-          <p:nvPr/>
-        </p:nvSpPr>
-        <p:spPr>
-          <a:xfrm>
-            <a:off x="17983200" y="7153656"/>
-            <a:ext cx="13102243" cy="1064385"/>
-          </a:xfrm>
-          <a:prstGeom prst="rect">
-            <a:avLst/>
-          </a:prstGeom>
-          <a:noFill/>
-          <a:ln>
-            <a:noFill/>
-          </a:ln>
-        </p:spPr>
-        <p:style>
-          <a:lnRef idx="1">
-            <a:schemeClr val="accent1"/>
-          </a:lnRef>
-          <a:fillRef idx="3">
-            <a:schemeClr val="accent1"/>
-          </a:fillRef>
-          <a:effectRef idx="2">
-            <a:schemeClr val="accent1"/>
-          </a:effectRef>
-          <a:fontRef idx="minor">
-            <a:schemeClr val="lt1"/>
-          </a:fontRef>
-        </p:style>
-        <p:txBody>
-          <a:bodyPr rtlCol="0" anchor="ctr"/>
-          <a:lstStyle/>
-          <a:p>
-            <a:pPr algn="r"/>
             <a:r>
               <a:rPr lang="pt-PT" sz="5400" b="1" dirty="0">
                 <a:solidFill>
@@ -7463,7 +4920,27 @@
                   </a:schemeClr>
                 </a:solidFill>
               </a:rPr>
-              <a:t>Unidade Curricular: Projeto III</a:t>
+              <a:t>Curricular </a:t>
+            </a:r>
+            <a:r>
+              <a:rPr lang="pt-PT" sz="5400" b="1" dirty="0" err="1">
+                <a:solidFill>
+                  <a:schemeClr val="accent1">
+                    <a:lumMod val="75000"/>
+                  </a:schemeClr>
+                </a:solidFill>
+              </a:rPr>
+              <a:t>Unit</a:t>
+            </a:r>
+            <a:r>
+              <a:rPr lang="pt-PT" sz="5400" b="1" dirty="0">
+                <a:solidFill>
+                  <a:schemeClr val="accent1">
+                    <a:lumMod val="75000"/>
+                  </a:schemeClr>
+                </a:solidFill>
+              </a:rPr>
+              <a:t>: Project IV</a:t>
             </a:r>
           </a:p>
         </p:txBody>
@@ -7484,7 +4961,7 @@
         </p:nvSpPr>
         <p:spPr>
           <a:xfrm>
-            <a:off x="16701616" y="38364390"/>
+            <a:off x="18785954" y="39371496"/>
             <a:ext cx="9931734" cy="920115"/>
           </a:xfrm>
           <a:prstGeom prst="rect">
@@ -7514,18 +4991,13 @@
           <a:p>
             <a:pPr algn="l"/>
             <a:r>
-              <a:rPr lang="en-US" sz="5400" b="1" dirty="0" err="1">
+              <a:rPr lang="en-US" sz="5400" b="1" dirty="0">
                 <a:latin typeface="Arial" charset="0"/>
                 <a:ea typeface="Arial" charset="0"/>
                 <a:cs typeface="Arial" charset="0"/>
               </a:rPr>
-              <a:t>Orientação</a:t>
-            </a:r>
-            <a:endParaRPr lang="en-US" sz="5400" b="1" dirty="0">
-              <a:latin typeface="Arial" charset="0"/>
-              <a:ea typeface="Arial" charset="0"/>
-              <a:cs typeface="Arial" charset="0"/>
-            </a:endParaRPr>
+              <a:t>Orientation</a:t>
+            </a:r>
           </a:p>
         </p:txBody>
       </p:sp>
@@ -7543,8 +5015,8 @@
         </p:nvSpPr>
         <p:spPr>
           <a:xfrm>
-            <a:off x="21254049" y="38186278"/>
-            <a:ext cx="9555912" cy="1511889"/>
+            <a:off x="23338387" y="39193384"/>
+            <a:ext cx="9555912" cy="2281330"/>
           </a:xfrm>
           <a:prstGeom prst="rect">
             <a:avLst/>
@@ -7570,7 +5042,7 @@
                 <a:ea typeface="Arial" charset="0"/>
                 <a:cs typeface="Arial" charset="0"/>
               </a:rPr>
-              <a:t>Professor Doutor XXXXX</a:t>
+              <a:t>Professor Doutor Ricardo Freitas;</a:t>
             </a:r>
           </a:p>
           <a:p>
@@ -7587,7 +5059,24 @@
                 <a:ea typeface="Arial" charset="0"/>
                 <a:cs typeface="Arial" charset="0"/>
               </a:rPr>
-              <a:t>ANO LETIVO 2020/2021;</a:t>
+              <a:t>Engenheiro Miguel Guerra;</a:t>
+            </a:r>
+          </a:p>
+          <a:p>
+            <a:pPr marL="342900" indent="-342900" algn="just">
+              <a:lnSpc>
+                <a:spcPct val="200000"/>
+              </a:lnSpc>
+              <a:buFont typeface="Arial" panose="020B0604020202020204" pitchFamily="34" charset="0"/>
+              <a:buChar char="•"/>
+            </a:pPr>
+            <a:r>
+              <a:rPr lang="pt-PT" sz="2500" b="1" dirty="0">
+                <a:latin typeface="Arial" charset="0"/>
+                <a:ea typeface="Arial" charset="0"/>
+                <a:cs typeface="Arial" charset="0"/>
+              </a:rPr>
+              <a:t>ANO LETIVO 2023/2024;</a:t>
             </a:r>
           </a:p>
         </p:txBody>
@@ -7607,7 +5096,7 @@
           <p:nvPr/>
         </p:nvPicPr>
         <p:blipFill>
-          <a:blip r:embed="rId7" cstate="print">
+          <a:blip r:embed="rId5" cstate="print">
             <a:extLst>
               <a:ext uri="{28A0092B-C50C-407E-A947-70E740481C1C}">
                 <a14:useLocalDpi xmlns:a14="http://schemas.microsoft.com/office/drawing/2010/main" val="0"/>
@@ -7620,8 +5109,8 @@
         </p:blipFill>
         <p:spPr>
           <a:xfrm>
-            <a:off x="21179942" y="40949651"/>
-            <a:ext cx="2882747" cy="1054985"/>
+            <a:off x="26191016" y="41642077"/>
+            <a:ext cx="2205891" cy="807279"/>
           </a:xfrm>
           <a:prstGeom prst="rect">
             <a:avLst/>
@@ -7644,7 +5133,7 @@
         </p:nvSpPr>
         <p:spPr>
           <a:xfrm>
-            <a:off x="17106901" y="31160852"/>
+            <a:off x="20296945" y="31861813"/>
             <a:ext cx="13173288" cy="920115"/>
           </a:xfrm>
           <a:prstGeom prst="rect">
@@ -7679,46 +5168,555 @@
                 <a:ea typeface="Arial" charset="0"/>
                 <a:cs typeface="Arial" charset="0"/>
               </a:rPr>
-              <a:t>Ferramentas e </a:t>
-            </a:r>
-            <a:r>
-              <a:rPr lang="en-US" sz="5400" b="1" dirty="0" err="1">
-                <a:latin typeface="Arial" charset="0"/>
-                <a:ea typeface="Arial" charset="0"/>
-                <a:cs typeface="Arial" charset="0"/>
-              </a:rPr>
-              <a:t>Tecnologias</a:t>
-            </a:r>
-            <a:r>
-              <a:rPr lang="en-US" sz="5400" b="1" dirty="0">
-                <a:latin typeface="Arial" charset="0"/>
-                <a:ea typeface="Arial" charset="0"/>
-                <a:cs typeface="Arial" charset="0"/>
-              </a:rPr>
-              <a:t> </a:t>
-            </a:r>
-            <a:r>
-              <a:rPr lang="en-US" sz="5400" b="1" dirty="0" err="1">
-                <a:latin typeface="Arial" charset="0"/>
-                <a:ea typeface="Arial" charset="0"/>
-                <a:cs typeface="Arial" charset="0"/>
-              </a:rPr>
-              <a:t>Utilizadas</a:t>
-            </a:r>
-            <a:endParaRPr lang="en-US" sz="5400" b="1" dirty="0">
-              <a:latin typeface="Arial" charset="0"/>
-              <a:ea typeface="Arial" charset="0"/>
-              <a:cs typeface="Arial" charset="0"/>
-            </a:endParaRPr>
+              <a:t>Tools and Technologies used</a:t>
+            </a:r>
           </a:p>
         </p:txBody>
       </p:sp>
       <p:pic>
         <p:nvPicPr>
-          <p:cNvPr id="15" name="Imagem 14">
+          <p:cNvPr id="1026" name="Picture 2" descr="Conferros - Engenharia e Construção">
             <a:extLst>
               <a:ext uri="{FF2B5EF4-FFF2-40B4-BE49-F238E27FC236}">
-                <a16:creationId xmlns:a16="http://schemas.microsoft.com/office/drawing/2014/main" id="{0FE7DB79-C3B5-427C-BC4C-BA3C72FA5C54}"/>
+                <a16:creationId xmlns:a16="http://schemas.microsoft.com/office/drawing/2014/main" id="{A0D7B03E-7B76-0EC5-35DE-1480BD76025E}"/>
+              </a:ext>
+            </a:extLst>
+          </p:cNvPr>
+          <p:cNvPicPr>
+            <a:picLocks noChangeAspect="1" noChangeArrowheads="1"/>
+          </p:cNvPicPr>
+          <p:nvPr/>
+        </p:nvPicPr>
+        <p:blipFill>
+          <a:blip r:embed="rId6">
+            <a:extLst>
+              <a:ext uri="{28A0092B-C50C-407E-A947-70E740481C1C}">
+                <a14:useLocalDpi xmlns:a14="http://schemas.microsoft.com/office/drawing/2010/main" val="0"/>
+              </a:ext>
+            </a:extLst>
+          </a:blip>
+          <a:srcRect/>
+          <a:stretch>
+            <a:fillRect/>
+          </a:stretch>
+        </p:blipFill>
+        <p:spPr bwMode="auto">
+          <a:xfrm>
+            <a:off x="28773038" y="41642077"/>
+            <a:ext cx="2684428" cy="874407"/>
+          </a:xfrm>
+          <a:prstGeom prst="rect">
+            <a:avLst/>
+          </a:prstGeom>
+          <a:noFill/>
+          <a:extLst>
+            <a:ext uri="{909E8E84-426E-40DD-AFC4-6F175D3DCCD1}">
+              <a14:hiddenFill xmlns:a14="http://schemas.microsoft.com/office/drawing/2010/main">
+                <a:solidFill>
+                  <a:srgbClr val="FFFFFF"/>
+                </a:solidFill>
+              </a14:hiddenFill>
+            </a:ext>
+          </a:extLst>
+        </p:spPr>
+      </p:pic>
+      <p:pic>
+        <p:nvPicPr>
+          <p:cNvPr id="25" name="Picture 2">
+            <a:extLst>
+              <a:ext uri="{FF2B5EF4-FFF2-40B4-BE49-F238E27FC236}">
+                <a16:creationId xmlns:a16="http://schemas.microsoft.com/office/drawing/2014/main" id="{706E0421-D664-DEB2-CFF2-D01853C9242E}"/>
+              </a:ext>
+            </a:extLst>
+          </p:cNvPr>
+          <p:cNvPicPr>
+            <a:picLocks noChangeAspect="1" noChangeArrowheads="1"/>
+          </p:cNvPicPr>
+          <p:nvPr/>
+        </p:nvPicPr>
+        <p:blipFill>
+          <a:blip r:embed="rId7">
+            <a:extLst>
+              <a:ext uri="{28A0092B-C50C-407E-A947-70E740481C1C}">
+                <a14:useLocalDpi xmlns:a14="http://schemas.microsoft.com/office/drawing/2010/main" val="0"/>
+              </a:ext>
+            </a:extLst>
+          </a:blip>
+          <a:srcRect/>
+          <a:stretch>
+            <a:fillRect/>
+          </a:stretch>
+        </p:blipFill>
+        <p:spPr bwMode="auto">
+          <a:xfrm>
+            <a:off x="23687263" y="35160274"/>
+            <a:ext cx="1850072" cy="1923324"/>
+          </a:xfrm>
+          <a:prstGeom prst="rect">
+            <a:avLst/>
+          </a:prstGeom>
+          <a:noFill/>
+          <a:extLst>
+            <a:ext uri="{909E8E84-426E-40DD-AFC4-6F175D3DCCD1}">
+              <a14:hiddenFill xmlns:a14="http://schemas.microsoft.com/office/drawing/2010/main">
+                <a:solidFill>
+                  <a:srgbClr val="FFFFFF"/>
+                </a:solidFill>
+              </a14:hiddenFill>
+            </a:ext>
+          </a:extLst>
+        </p:spPr>
+      </p:pic>
+      <p:pic>
+        <p:nvPicPr>
+          <p:cNvPr id="1028" name="Picture 4" descr="mysql-logo-png-transparent ⋆ Altyra - Desenvolvimento de ...">
+            <a:extLst>
+              <a:ext uri="{FF2B5EF4-FFF2-40B4-BE49-F238E27FC236}">
+                <a16:creationId xmlns:a16="http://schemas.microsoft.com/office/drawing/2014/main" id="{63014B71-461D-A6C3-A0E0-335CA4AF415B}"/>
+              </a:ext>
+            </a:extLst>
+          </p:cNvPr>
+          <p:cNvPicPr>
+            <a:picLocks noChangeAspect="1" noChangeArrowheads="1"/>
+          </p:cNvPicPr>
+          <p:nvPr/>
+        </p:nvPicPr>
+        <p:blipFill>
+          <a:blip r:embed="rId8">
+            <a:extLst>
+              <a:ext uri="{28A0092B-C50C-407E-A947-70E740481C1C}">
+                <a14:useLocalDpi xmlns:a14="http://schemas.microsoft.com/office/drawing/2010/main" val="0"/>
+              </a:ext>
+            </a:extLst>
+          </a:blip>
+          <a:srcRect/>
+          <a:stretch>
+            <a:fillRect/>
+          </a:stretch>
+        </p:blipFill>
+        <p:spPr bwMode="auto">
+          <a:xfrm>
+            <a:off x="22975415" y="35828268"/>
+            <a:ext cx="4662513" cy="3232675"/>
+          </a:xfrm>
+          <a:prstGeom prst="rect">
+            <a:avLst/>
+          </a:prstGeom>
+          <a:noFill/>
+          <a:extLst>
+            <a:ext uri="{909E8E84-426E-40DD-AFC4-6F175D3DCCD1}">
+              <a14:hiddenFill xmlns:a14="http://schemas.microsoft.com/office/drawing/2010/main">
+                <a:solidFill>
+                  <a:srgbClr val="FFFFFF"/>
+                </a:solidFill>
+              </a14:hiddenFill>
+            </a:ext>
+          </a:extLst>
+        </p:spPr>
+      </p:pic>
+      <p:pic>
+        <p:nvPicPr>
+          <p:cNvPr id="1030" name="Picture 6" descr="File type vscode - Files &amp; Folders Icons">
+            <a:extLst>
+              <a:ext uri="{FF2B5EF4-FFF2-40B4-BE49-F238E27FC236}">
+                <a16:creationId xmlns:a16="http://schemas.microsoft.com/office/drawing/2014/main" id="{B89FBC10-A39F-D00E-420D-F1C84082776F}"/>
+              </a:ext>
+            </a:extLst>
+          </p:cNvPr>
+          <p:cNvPicPr>
+            <a:picLocks noChangeAspect="1" noChangeArrowheads="1"/>
+          </p:cNvPicPr>
+          <p:nvPr/>
+        </p:nvPicPr>
+        <p:blipFill>
+          <a:blip r:embed="rId9">
+            <a:extLst>
+              <a:ext uri="{28A0092B-C50C-407E-A947-70E740481C1C}">
+                <a14:useLocalDpi xmlns:a14="http://schemas.microsoft.com/office/drawing/2010/main" val="0"/>
+              </a:ext>
+            </a:extLst>
+          </a:blip>
+          <a:srcRect/>
+          <a:stretch>
+            <a:fillRect/>
+          </a:stretch>
+        </p:blipFill>
+        <p:spPr bwMode="auto">
+          <a:xfrm>
+            <a:off x="24397906" y="33419238"/>
+            <a:ext cx="2023645" cy="2023645"/>
+          </a:xfrm>
+          <a:prstGeom prst="rect">
+            <a:avLst/>
+          </a:prstGeom>
+          <a:noFill/>
+          <a:extLst>
+            <a:ext uri="{909E8E84-426E-40DD-AFC4-6F175D3DCCD1}">
+              <a14:hiddenFill xmlns:a14="http://schemas.microsoft.com/office/drawing/2010/main">
+                <a:solidFill>
+                  <a:srgbClr val="FFFFFF"/>
+                </a:solidFill>
+              </a14:hiddenFill>
+            </a:ext>
+          </a:extLst>
+        </p:spPr>
+      </p:pic>
+      <p:pic>
+        <p:nvPicPr>
+          <p:cNvPr id="1032" name="Picture 8" descr="GitHub Logo, symbol, meaning, history, PNG, brand">
+            <a:extLst>
+              <a:ext uri="{FF2B5EF4-FFF2-40B4-BE49-F238E27FC236}">
+                <a16:creationId xmlns:a16="http://schemas.microsoft.com/office/drawing/2014/main" id="{7D6E3FCE-790C-DC2B-71D8-BA9DC874E1F7}"/>
+              </a:ext>
+            </a:extLst>
+          </p:cNvPr>
+          <p:cNvPicPr>
+            <a:picLocks noChangeAspect="1" noChangeArrowheads="1"/>
+          </p:cNvPicPr>
+          <p:nvPr/>
+        </p:nvPicPr>
+        <p:blipFill rotWithShape="1">
+          <a:blip r:embed="rId10">
+            <a:extLst>
+              <a:ext uri="{28A0092B-C50C-407E-A947-70E740481C1C}">
+                <a14:useLocalDpi xmlns:a14="http://schemas.microsoft.com/office/drawing/2010/main" val="0"/>
+              </a:ext>
+            </a:extLst>
+          </a:blip>
+          <a:srcRect l="17097" t="-1" r="17561" b="31638"/>
+          <a:stretch/>
+        </p:blipFill>
+        <p:spPr bwMode="auto">
+          <a:xfrm>
+            <a:off x="19449940" y="34352610"/>
+            <a:ext cx="2861211" cy="1683793"/>
+          </a:xfrm>
+          <a:prstGeom prst="rect">
+            <a:avLst/>
+          </a:prstGeom>
+          <a:noFill/>
+          <a:extLst>
+            <a:ext uri="{909E8E84-426E-40DD-AFC4-6F175D3DCCD1}">
+              <a14:hiddenFill xmlns:a14="http://schemas.microsoft.com/office/drawing/2010/main">
+                <a:solidFill>
+                  <a:srgbClr val="FFFFFF"/>
+                </a:solidFill>
+              </a14:hiddenFill>
+            </a:ext>
+          </a:extLst>
+        </p:spPr>
+      </p:pic>
+      <p:pic>
+        <p:nvPicPr>
+          <p:cNvPr id="1034" name="Picture 10">
+            <a:extLst>
+              <a:ext uri="{FF2B5EF4-FFF2-40B4-BE49-F238E27FC236}">
+                <a16:creationId xmlns:a16="http://schemas.microsoft.com/office/drawing/2014/main" id="{9DA0D424-2084-7609-43D6-0688D0A89AB3}"/>
+              </a:ext>
+            </a:extLst>
+          </p:cNvPr>
+          <p:cNvPicPr>
+            <a:picLocks noChangeAspect="1" noChangeArrowheads="1"/>
+          </p:cNvPicPr>
+          <p:nvPr/>
+        </p:nvPicPr>
+        <p:blipFill>
+          <a:blip r:embed="rId11">
+            <a:extLst>
+              <a:ext uri="{28A0092B-C50C-407E-A947-70E740481C1C}">
+                <a14:useLocalDpi xmlns:a14="http://schemas.microsoft.com/office/drawing/2010/main" val="0"/>
+              </a:ext>
+            </a:extLst>
+          </a:blip>
+          <a:srcRect/>
+          <a:stretch>
+            <a:fillRect/>
+          </a:stretch>
+        </p:blipFill>
+        <p:spPr bwMode="auto">
+          <a:xfrm>
+            <a:off x="22011994" y="33453540"/>
+            <a:ext cx="1773752" cy="1798141"/>
+          </a:xfrm>
+          <a:prstGeom prst="rect">
+            <a:avLst/>
+          </a:prstGeom>
+          <a:noFill/>
+          <a:extLst>
+            <a:ext uri="{909E8E84-426E-40DD-AFC4-6F175D3DCCD1}">
+              <a14:hiddenFill xmlns:a14="http://schemas.microsoft.com/office/drawing/2010/main">
+                <a:solidFill>
+                  <a:srgbClr val="FFFFFF"/>
+                </a:solidFill>
+              </a14:hiddenFill>
+            </a:ext>
+          </a:extLst>
+        </p:spPr>
+      </p:pic>
+      <p:pic>
+        <p:nvPicPr>
+          <p:cNvPr id="1044" name="Picture 20" descr="PHP Logo PNG Transparent – Brands Logos">
+            <a:extLst>
+              <a:ext uri="{FF2B5EF4-FFF2-40B4-BE49-F238E27FC236}">
+                <a16:creationId xmlns:a16="http://schemas.microsoft.com/office/drawing/2014/main" id="{90D34575-B922-C4AE-ADA6-A952CF773B0D}"/>
+              </a:ext>
+            </a:extLst>
+          </p:cNvPr>
+          <p:cNvPicPr>
+            <a:picLocks noChangeAspect="1" noChangeArrowheads="1"/>
+          </p:cNvPicPr>
+          <p:nvPr/>
+        </p:nvPicPr>
+        <p:blipFill>
+          <a:blip r:embed="rId12">
+            <a:extLst>
+              <a:ext uri="{28A0092B-C50C-407E-A947-70E740481C1C}">
+                <a14:useLocalDpi xmlns:a14="http://schemas.microsoft.com/office/drawing/2010/main" val="0"/>
+              </a:ext>
+            </a:extLst>
+          </a:blip>
+          <a:srcRect/>
+          <a:stretch>
+            <a:fillRect/>
+          </a:stretch>
+        </p:blipFill>
+        <p:spPr bwMode="auto">
+          <a:xfrm>
+            <a:off x="19857050" y="36499869"/>
+            <a:ext cx="3435382" cy="1798208"/>
+          </a:xfrm>
+          <a:prstGeom prst="rect">
+            <a:avLst/>
+          </a:prstGeom>
+          <a:noFill/>
+          <a:extLst>
+            <a:ext uri="{909E8E84-426E-40DD-AFC4-6F175D3DCCD1}">
+              <a14:hiddenFill xmlns:a14="http://schemas.microsoft.com/office/drawing/2010/main">
+                <a:solidFill>
+                  <a:srgbClr val="FFFFFF"/>
+                </a:solidFill>
+              </a14:hiddenFill>
+            </a:ext>
+          </a:extLst>
+        </p:spPr>
+      </p:pic>
+      <p:pic>
+        <p:nvPicPr>
+          <p:cNvPr id="1048" name="Picture 24">
+            <a:extLst>
+              <a:ext uri="{FF2B5EF4-FFF2-40B4-BE49-F238E27FC236}">
+                <a16:creationId xmlns:a16="http://schemas.microsoft.com/office/drawing/2014/main" id="{1528EC63-0231-31BA-2A56-7C4B3ED5FB60}"/>
+              </a:ext>
+            </a:extLst>
+          </p:cNvPr>
+          <p:cNvPicPr>
+            <a:picLocks noChangeAspect="1" noChangeArrowheads="1"/>
+          </p:cNvPicPr>
+          <p:nvPr/>
+        </p:nvPicPr>
+        <p:blipFill rotWithShape="1">
+          <a:blip r:embed="rId13">
+            <a:extLst>
+              <a:ext uri="{28A0092B-C50C-407E-A947-70E740481C1C}">
+                <a14:useLocalDpi xmlns:a14="http://schemas.microsoft.com/office/drawing/2010/main" val="0"/>
+              </a:ext>
+            </a:extLst>
+          </a:blip>
+          <a:srcRect l="7845" t="16388" r="8127"/>
+          <a:stretch/>
+        </p:blipFill>
+        <p:spPr bwMode="auto">
+          <a:xfrm>
+            <a:off x="29117249" y="33528579"/>
+            <a:ext cx="2033721" cy="2023645"/>
+          </a:xfrm>
+          <a:prstGeom prst="rect">
+            <a:avLst/>
+          </a:prstGeom>
+          <a:noFill/>
+          <a:extLst>
+            <a:ext uri="{909E8E84-426E-40DD-AFC4-6F175D3DCCD1}">
+              <a14:hiddenFill xmlns:a14="http://schemas.microsoft.com/office/drawing/2010/main">
+                <a:solidFill>
+                  <a:srgbClr val="FFFFFF"/>
+                </a:solidFill>
+              </a14:hiddenFill>
+            </a:ext>
+          </a:extLst>
+        </p:spPr>
+      </p:pic>
+      <p:pic>
+        <p:nvPicPr>
+          <p:cNvPr id="1050" name="Picture 26" descr="CSS - Wikipedia">
+            <a:extLst>
+              <a:ext uri="{FF2B5EF4-FFF2-40B4-BE49-F238E27FC236}">
+                <a16:creationId xmlns:a16="http://schemas.microsoft.com/office/drawing/2014/main" id="{A97BB161-4ECE-CA50-2F21-4CD7EC49A068}"/>
+              </a:ext>
+            </a:extLst>
+          </p:cNvPr>
+          <p:cNvPicPr>
+            <a:picLocks noChangeAspect="1" noChangeArrowheads="1"/>
+          </p:cNvPicPr>
+          <p:nvPr/>
+        </p:nvPicPr>
+        <p:blipFill rotWithShape="1">
+          <a:blip r:embed="rId14">
+            <a:extLst>
+              <a:ext uri="{28A0092B-C50C-407E-A947-70E740481C1C}">
+                <a14:useLocalDpi xmlns:a14="http://schemas.microsoft.com/office/drawing/2010/main" val="0"/>
+              </a:ext>
+            </a:extLst>
+          </a:blip>
+          <a:srcRect t="16952"/>
+          <a:stretch/>
+        </p:blipFill>
+        <p:spPr bwMode="auto">
+          <a:xfrm>
+            <a:off x="26926733" y="33557104"/>
+            <a:ext cx="1720551" cy="2015922"/>
+          </a:xfrm>
+          <a:prstGeom prst="rect">
+            <a:avLst/>
+          </a:prstGeom>
+          <a:noFill/>
+          <a:extLst>
+            <a:ext uri="{909E8E84-426E-40DD-AFC4-6F175D3DCCD1}">
+              <a14:hiddenFill xmlns:a14="http://schemas.microsoft.com/office/drawing/2010/main">
+                <a:solidFill>
+                  <a:srgbClr val="FFFFFF"/>
+                </a:solidFill>
+              </a14:hiddenFill>
+            </a:ext>
+          </a:extLst>
+        </p:spPr>
+      </p:pic>
+      <p:pic>
+        <p:nvPicPr>
+          <p:cNvPr id="1052" name="Picture 28" descr="js-logo – The International Conference On Missions">
+            <a:extLst>
+              <a:ext uri="{FF2B5EF4-FFF2-40B4-BE49-F238E27FC236}">
+                <a16:creationId xmlns:a16="http://schemas.microsoft.com/office/drawing/2014/main" id="{0566E2CF-F16A-7800-3F4D-8CF798C4407A}"/>
+              </a:ext>
+            </a:extLst>
+          </p:cNvPr>
+          <p:cNvPicPr>
+            <a:picLocks noChangeAspect="1" noChangeArrowheads="1"/>
+          </p:cNvPicPr>
+          <p:nvPr/>
+        </p:nvPicPr>
+        <p:blipFill rotWithShape="1">
+          <a:blip r:embed="rId15">
+            <a:extLst>
+              <a:ext uri="{28A0092B-C50C-407E-A947-70E740481C1C}">
+                <a14:useLocalDpi xmlns:a14="http://schemas.microsoft.com/office/drawing/2010/main" val="0"/>
+              </a:ext>
+            </a:extLst>
+          </a:blip>
+          <a:srcRect t="18419"/>
+          <a:stretch/>
+        </p:blipFill>
+        <p:spPr bwMode="auto">
+          <a:xfrm>
+            <a:off x="28968155" y="36141045"/>
+            <a:ext cx="2435696" cy="1987072"/>
+          </a:xfrm>
+          <a:prstGeom prst="rect">
+            <a:avLst/>
+          </a:prstGeom>
+          <a:noFill/>
+          <a:extLst>
+            <a:ext uri="{909E8E84-426E-40DD-AFC4-6F175D3DCCD1}">
+              <a14:hiddenFill xmlns:a14="http://schemas.microsoft.com/office/drawing/2010/main">
+                <a:solidFill>
+                  <a:srgbClr val="FFFFFF"/>
+                </a:solidFill>
+              </a14:hiddenFill>
+            </a:ext>
+          </a:extLst>
+        </p:spPr>
+      </p:pic>
+      <p:pic>
+        <p:nvPicPr>
+          <p:cNvPr id="1064" name="Picture 40" descr="Free Postman Logo Icon - Free Download Logos Logo Icons | IconScout">
+            <a:extLst>
+              <a:ext uri="{FF2B5EF4-FFF2-40B4-BE49-F238E27FC236}">
+                <a16:creationId xmlns:a16="http://schemas.microsoft.com/office/drawing/2014/main" id="{BDBF718D-8812-BD4D-AE16-3710D305204A}"/>
+              </a:ext>
+            </a:extLst>
+          </p:cNvPr>
+          <p:cNvPicPr>
+            <a:picLocks noChangeAspect="1" noChangeArrowheads="1"/>
+          </p:cNvPicPr>
+          <p:nvPr/>
+        </p:nvPicPr>
+        <p:blipFill>
+          <a:blip r:embed="rId16">
+            <a:extLst>
+              <a:ext uri="{28A0092B-C50C-407E-A947-70E740481C1C}">
+                <a14:useLocalDpi xmlns:a14="http://schemas.microsoft.com/office/drawing/2010/main" val="0"/>
+              </a:ext>
+            </a:extLst>
+          </a:blip>
+          <a:srcRect/>
+          <a:stretch>
+            <a:fillRect/>
+          </a:stretch>
+        </p:blipFill>
+        <p:spPr bwMode="auto">
+          <a:xfrm>
+            <a:off x="27044831" y="36198297"/>
+            <a:ext cx="1923324" cy="1923324"/>
+          </a:xfrm>
+          <a:prstGeom prst="rect">
+            <a:avLst/>
+          </a:prstGeom>
+          <a:noFill/>
+          <a:extLst>
+            <a:ext uri="{909E8E84-426E-40DD-AFC4-6F175D3DCCD1}">
+              <a14:hiddenFill xmlns:a14="http://schemas.microsoft.com/office/drawing/2010/main">
+                <a:solidFill>
+                  <a:srgbClr val="FFFFFF"/>
+                </a:solidFill>
+              </a14:hiddenFill>
+            </a:ext>
+          </a:extLst>
+        </p:spPr>
+      </p:pic>
+      <p:pic>
+        <p:nvPicPr>
+          <p:cNvPr id="52" name="Imagem 51">
+            <a:extLst>
+              <a:ext uri="{FF2B5EF4-FFF2-40B4-BE49-F238E27FC236}">
+                <a16:creationId xmlns:a16="http://schemas.microsoft.com/office/drawing/2014/main" id="{BBB1D556-E0A5-5478-EBF9-9F2167814934}"/>
+              </a:ext>
+            </a:extLst>
+          </p:cNvPr>
+          <p:cNvPicPr>
+            <a:picLocks noChangeAspect="1"/>
+          </p:cNvPicPr>
+          <p:nvPr/>
+        </p:nvPicPr>
+        <p:blipFill rotWithShape="1">
+          <a:blip r:embed="rId17"/>
+          <a:srcRect l="6124"/>
+          <a:stretch/>
+        </p:blipFill>
+        <p:spPr>
+          <a:xfrm>
+            <a:off x="20220909" y="8604052"/>
+            <a:ext cx="11860304" cy="6468365"/>
+          </a:xfrm>
+          <a:prstGeom prst="rect">
+            <a:avLst/>
+          </a:prstGeom>
+        </p:spPr>
+      </p:pic>
+      <p:pic>
+        <p:nvPicPr>
+          <p:cNvPr id="54" name="Imagem 53">
+            <a:extLst>
+              <a:ext uri="{FF2B5EF4-FFF2-40B4-BE49-F238E27FC236}">
+                <a16:creationId xmlns:a16="http://schemas.microsoft.com/office/drawing/2014/main" id="{7A9ED7D2-8730-E062-B02B-FC8F4E0695B8}"/>
               </a:ext>
             </a:extLst>
           </p:cNvPr>
@@ -7728,21 +5726,219 @@
           <p:nvPr/>
         </p:nvPicPr>
         <p:blipFill>
-          <a:blip r:embed="rId8"/>
+          <a:blip r:embed="rId18"/>
           <a:stretch>
             <a:fillRect/>
           </a:stretch>
         </p:blipFill>
         <p:spPr>
           <a:xfrm>
-            <a:off x="17983199" y="32316374"/>
-            <a:ext cx="12043055" cy="5456241"/>
+            <a:off x="20247292" y="16429292"/>
+            <a:ext cx="11579781" cy="7219493"/>
           </a:xfrm>
           <a:prstGeom prst="rect">
             <a:avLst/>
           </a:prstGeom>
         </p:spPr>
       </p:pic>
+      <p:pic>
+        <p:nvPicPr>
+          <p:cNvPr id="56" name="Imagem 55">
+            <a:extLst>
+              <a:ext uri="{FF2B5EF4-FFF2-40B4-BE49-F238E27FC236}">
+                <a16:creationId xmlns:a16="http://schemas.microsoft.com/office/drawing/2014/main" id="{9D5B267F-D042-60CE-C590-5531E1CCE3AC}"/>
+              </a:ext>
+            </a:extLst>
+          </p:cNvPr>
+          <p:cNvPicPr>
+            <a:picLocks noChangeAspect="1"/>
+          </p:cNvPicPr>
+          <p:nvPr/>
+        </p:nvPicPr>
+        <p:blipFill>
+          <a:blip r:embed="rId19"/>
+          <a:stretch>
+            <a:fillRect/>
+          </a:stretch>
+        </p:blipFill>
+        <p:spPr>
+          <a:xfrm>
+            <a:off x="4244342" y="24977259"/>
+            <a:ext cx="11119350" cy="5721833"/>
+          </a:xfrm>
+          <a:prstGeom prst="rect">
+            <a:avLst/>
+          </a:prstGeom>
+        </p:spPr>
+      </p:pic>
+      <p:sp>
+        <p:nvSpPr>
+          <p:cNvPr id="57" name="CaixaDeTexto 56">
+            <a:extLst>
+              <a:ext uri="{FF2B5EF4-FFF2-40B4-BE49-F238E27FC236}">
+                <a16:creationId xmlns:a16="http://schemas.microsoft.com/office/drawing/2014/main" id="{1A786512-D7CA-3270-D527-7F40A72DAA7E}"/>
+              </a:ext>
+            </a:extLst>
+          </p:cNvPr>
+          <p:cNvSpPr txBox="1"/>
+          <p:nvPr/>
+        </p:nvSpPr>
+        <p:spPr>
+          <a:xfrm>
+            <a:off x="7000491" y="30708497"/>
+            <a:ext cx="5607051" cy="553998"/>
+          </a:xfrm>
+          <a:prstGeom prst="rect">
+            <a:avLst/>
+          </a:prstGeom>
+          <a:noFill/>
+        </p:spPr>
+        <p:txBody>
+          <a:bodyPr wrap="square" rtlCol="0">
+            <a:spAutoFit/>
+          </a:bodyPr>
+          <a:lstStyle/>
+          <a:p>
+            <a:pPr algn="ctr"/>
+            <a:r>
+              <a:rPr lang="pt-PT" sz="3000" dirty="0">
+                <a:latin typeface="Arial" charset="0"/>
+                <a:ea typeface="Arial" charset="0"/>
+                <a:cs typeface="Arial" charset="0"/>
+              </a:rPr>
+              <a:t>Data </a:t>
+            </a:r>
+            <a:r>
+              <a:rPr lang="pt-PT" sz="3000" dirty="0" err="1">
+                <a:latin typeface="Arial" charset="0"/>
+                <a:ea typeface="Arial" charset="0"/>
+                <a:cs typeface="Arial" charset="0"/>
+              </a:rPr>
+              <a:t>editing</a:t>
+            </a:r>
+            <a:r>
+              <a:rPr lang="pt-PT" sz="3000" dirty="0">
+                <a:latin typeface="Arial" charset="0"/>
+                <a:ea typeface="Arial" charset="0"/>
+                <a:cs typeface="Arial" charset="0"/>
+              </a:rPr>
+              <a:t> </a:t>
+            </a:r>
+            <a:r>
+              <a:rPr lang="pt-PT" sz="3000" dirty="0" err="1">
+                <a:latin typeface="Arial" charset="0"/>
+                <a:ea typeface="Arial" charset="0"/>
+                <a:cs typeface="Arial" charset="0"/>
+              </a:rPr>
+              <a:t>example</a:t>
+            </a:r>
+            <a:endParaRPr lang="pt-PT" sz="3000" dirty="0">
+              <a:latin typeface="Arial" charset="0"/>
+              <a:ea typeface="Arial" charset="0"/>
+              <a:cs typeface="Arial" charset="0"/>
+            </a:endParaRPr>
+          </a:p>
+        </p:txBody>
+      </p:sp>
+      <p:pic>
+        <p:nvPicPr>
+          <p:cNvPr id="59" name="Imagem 58">
+            <a:extLst>
+              <a:ext uri="{FF2B5EF4-FFF2-40B4-BE49-F238E27FC236}">
+                <a16:creationId xmlns:a16="http://schemas.microsoft.com/office/drawing/2014/main" id="{715DA663-40C1-A2A8-D267-8E70C946C4A5}"/>
+              </a:ext>
+            </a:extLst>
+          </p:cNvPr>
+          <p:cNvPicPr>
+            <a:picLocks noChangeAspect="1"/>
+          </p:cNvPicPr>
+          <p:nvPr/>
+        </p:nvPicPr>
+        <p:blipFill>
+          <a:blip r:embed="rId20"/>
+          <a:stretch>
+            <a:fillRect/>
+          </a:stretch>
+        </p:blipFill>
+        <p:spPr>
+          <a:xfrm>
+            <a:off x="20631341" y="24812449"/>
+            <a:ext cx="11119350" cy="5716040"/>
+          </a:xfrm>
+          <a:prstGeom prst="rect">
+            <a:avLst/>
+          </a:prstGeom>
+        </p:spPr>
+      </p:pic>
+      <p:sp>
+        <p:nvSpPr>
+          <p:cNvPr id="60" name="CaixaDeTexto 59">
+            <a:extLst>
+              <a:ext uri="{FF2B5EF4-FFF2-40B4-BE49-F238E27FC236}">
+                <a16:creationId xmlns:a16="http://schemas.microsoft.com/office/drawing/2014/main" id="{CD01852E-BF1B-5AD2-5BA7-5DEC5D4FF655}"/>
+              </a:ext>
+            </a:extLst>
+          </p:cNvPr>
+          <p:cNvSpPr txBox="1"/>
+          <p:nvPr/>
+        </p:nvSpPr>
+        <p:spPr>
+          <a:xfrm>
+            <a:off x="23387490" y="30506732"/>
+            <a:ext cx="5607051" cy="553998"/>
+          </a:xfrm>
+          <a:prstGeom prst="rect">
+            <a:avLst/>
+          </a:prstGeom>
+          <a:noFill/>
+        </p:spPr>
+        <p:txBody>
+          <a:bodyPr wrap="square" rtlCol="0">
+            <a:spAutoFit/>
+          </a:bodyPr>
+          <a:lstStyle/>
+          <a:p>
+            <a:pPr algn="ctr"/>
+            <a:r>
+              <a:rPr lang="pt-PT" sz="3000" dirty="0">
+                <a:latin typeface="Arial" charset="0"/>
+                <a:ea typeface="Arial" charset="0"/>
+                <a:cs typeface="Arial" charset="0"/>
+              </a:rPr>
+              <a:t>Data </a:t>
+            </a:r>
+            <a:r>
+              <a:rPr lang="pt-PT" sz="3000" dirty="0" err="1">
+                <a:latin typeface="Arial" charset="0"/>
+                <a:ea typeface="Arial" charset="0"/>
+                <a:cs typeface="Arial" charset="0"/>
+              </a:rPr>
+              <a:t>creation</a:t>
+            </a:r>
+            <a:r>
+              <a:rPr lang="pt-PT" sz="3000" dirty="0">
+                <a:latin typeface="Arial" charset="0"/>
+                <a:ea typeface="Arial" charset="0"/>
+                <a:cs typeface="Arial" charset="0"/>
+              </a:rPr>
+              <a:t> </a:t>
+            </a:r>
+            <a:r>
+              <a:rPr lang="pt-PT" sz="3000" dirty="0" err="1">
+                <a:latin typeface="Arial" charset="0"/>
+                <a:ea typeface="Arial" charset="0"/>
+                <a:cs typeface="Arial" charset="0"/>
+              </a:rPr>
+              <a:t>example</a:t>
+            </a:r>
+            <a:endParaRPr lang="pt-PT" sz="3000" dirty="0">
+              <a:latin typeface="Arial" charset="0"/>
+              <a:ea typeface="Arial" charset="0"/>
+              <a:cs typeface="Arial" charset="0"/>
+            </a:endParaRPr>
+          </a:p>
+        </p:txBody>
+      </p:sp>
     </p:spTree>
     <p:extLst>
       <p:ext uri="{BB962C8B-B14F-4D97-AF65-F5344CB8AC3E}">
